--- a/Presentazione.pptx
+++ b/Presentazione.pptx
@@ -5,10 +5,10 @@
     <p:sldMasterId id="2147483691" r:id="rId1"/>
   </p:sldMasterIdLst>
   <p:notesMasterIdLst>
-    <p:notesMasterId r:id="rId19"/>
+    <p:notesMasterId r:id="rId23"/>
   </p:notesMasterIdLst>
   <p:handoutMasterIdLst>
-    <p:handoutMasterId r:id="rId20"/>
+    <p:handoutMasterId r:id="rId24"/>
   </p:handoutMasterIdLst>
   <p:sldIdLst>
     <p:sldId id="277" r:id="rId2"/>
@@ -18,16 +18,20 @@
     <p:sldId id="295" r:id="rId6"/>
     <p:sldId id="297" r:id="rId7"/>
     <p:sldId id="299" r:id="rId8"/>
-    <p:sldId id="278" r:id="rId9"/>
-    <p:sldId id="300" r:id="rId10"/>
-    <p:sldId id="301" r:id="rId11"/>
-    <p:sldId id="281" r:id="rId12"/>
-    <p:sldId id="293" r:id="rId13"/>
-    <p:sldId id="286" r:id="rId14"/>
-    <p:sldId id="285" r:id="rId15"/>
-    <p:sldId id="283" r:id="rId16"/>
-    <p:sldId id="284" r:id="rId17"/>
-    <p:sldId id="262" r:id="rId18"/>
+    <p:sldId id="301" r:id="rId9"/>
+    <p:sldId id="302" r:id="rId10"/>
+    <p:sldId id="303" r:id="rId11"/>
+    <p:sldId id="304" r:id="rId12"/>
+    <p:sldId id="278" r:id="rId13"/>
+    <p:sldId id="300" r:id="rId14"/>
+    <p:sldId id="305" r:id="rId15"/>
+    <p:sldId id="281" r:id="rId16"/>
+    <p:sldId id="293" r:id="rId17"/>
+    <p:sldId id="286" r:id="rId18"/>
+    <p:sldId id="285" r:id="rId19"/>
+    <p:sldId id="283" r:id="rId20"/>
+    <p:sldId id="284" r:id="rId21"/>
+    <p:sldId id="262" r:id="rId22"/>
   </p:sldIdLst>
   <p:sldSz cx="9144000" cy="6858000" type="screen4x3"/>
   <p:notesSz cx="6858000" cy="9144000"/>
@@ -138,9 +142,13 @@
             <p14:sldId id="295"/>
             <p14:sldId id="297"/>
             <p14:sldId id="299"/>
+            <p14:sldId id="301"/>
+            <p14:sldId id="302"/>
+            <p14:sldId id="303"/>
+            <p14:sldId id="304"/>
             <p14:sldId id="278"/>
             <p14:sldId id="300"/>
-            <p14:sldId id="301"/>
+            <p14:sldId id="305"/>
             <p14:sldId id="281"/>
             <p14:sldId id="293"/>
             <p14:sldId id="286"/>
@@ -256,7 +264,7 @@
           <a:p>
             <a:fld id="{CDC02513-12D4-7C45-A4B1-0A7A90C954B8}" type="datetimeFigureOut">
               <a:rPr lang="it-IT" smtClean="0"/>
-              <a:t>06/10/2023</a:t>
+              <a:t>09/10/2023</a:t>
             </a:fld>
             <a:endParaRPr lang="it-IT"/>
           </a:p>
@@ -433,7 +441,7 @@
           <a:p>
             <a:fld id="{340D7045-9255-E947-B6AE-7BFBA280817C}" type="datetimeFigureOut">
               <a:rPr lang="it-IT" smtClean="0"/>
-              <a:t>06/10/2023</a:t>
+              <a:t>09/10/2023</a:t>
             </a:fld>
             <a:endParaRPr lang="it-IT"/>
           </a:p>
@@ -759,6 +767,179 @@
 </p:notes>
 </file>
 
+<file path=ppt/notesSlides/notesSlide10.xml><?xml version="1.0" encoding="utf-8"?>
+<p:notes xmlns:a="http://schemas.openxmlformats.org/drawingml/2006/main" xmlns:r="http://schemas.openxmlformats.org/officeDocument/2006/relationships" xmlns:p="http://schemas.openxmlformats.org/presentationml/2006/main">
+  <p:cSld>
+    <p:spTree>
+      <p:nvGrpSpPr>
+        <p:cNvPr id="1" name=""/>
+        <p:cNvGrpSpPr/>
+        <p:nvPr/>
+      </p:nvGrpSpPr>
+      <p:grpSpPr>
+        <a:xfrm>
+          <a:off x="0" y="0"/>
+          <a:ext cx="0" cy="0"/>
+          <a:chOff x="0" y="0"/>
+          <a:chExt cx="0" cy="0"/>
+        </a:xfrm>
+      </p:grpSpPr>
+      <p:sp>
+        <p:nvSpPr>
+          <p:cNvPr id="2" name="Segnaposto immagine diapositiva 1"/>
+          <p:cNvSpPr>
+            <a:spLocks noGrp="1" noRot="1" noChangeAspect="1"/>
+          </p:cNvSpPr>
+          <p:nvPr>
+            <p:ph type="sldImg"/>
+          </p:nvPr>
+        </p:nvSpPr>
+        <p:spPr/>
+      </p:sp>
+      <p:sp>
+        <p:nvSpPr>
+          <p:cNvPr id="3" name="Segnaposto note 2"/>
+          <p:cNvSpPr>
+            <a:spLocks noGrp="1"/>
+          </p:cNvSpPr>
+          <p:nvPr>
+            <p:ph type="body" idx="1"/>
+          </p:nvPr>
+        </p:nvSpPr>
+        <p:spPr/>
+        <p:txBody>
+          <a:bodyPr/>
+          <a:lstStyle/>
+          <a:p>
+            <a:endParaRPr lang="it-IT"/>
+          </a:p>
+        </p:txBody>
+      </p:sp>
+      <p:sp>
+        <p:nvSpPr>
+          <p:cNvPr id="4" name="Segnaposto numero diapositiva 3"/>
+          <p:cNvSpPr>
+            <a:spLocks noGrp="1"/>
+          </p:cNvSpPr>
+          <p:nvPr>
+            <p:ph type="sldNum" sz="quarter" idx="5"/>
+          </p:nvPr>
+        </p:nvSpPr>
+        <p:spPr/>
+        <p:txBody>
+          <a:bodyPr/>
+          <a:lstStyle/>
+          <a:p>
+            <a:fld id="{79E7D7B2-511C-5746-97D1-507EEDB38854}" type="slidenum">
+              <a:rPr lang="it-IT" smtClean="0"/>
+              <a:t>13</a:t>
+            </a:fld>
+            <a:endParaRPr lang="it-IT"/>
+          </a:p>
+        </p:txBody>
+      </p:sp>
+    </p:spTree>
+    <p:extLst>
+      <p:ext uri="{BB962C8B-B14F-4D97-AF65-F5344CB8AC3E}">
+        <p14:creationId xmlns:p14="http://schemas.microsoft.com/office/powerpoint/2010/main" val="1002762113"/>
+      </p:ext>
+    </p:extLst>
+  </p:cSld>
+  <p:clrMapOvr>
+    <a:masterClrMapping/>
+  </p:clrMapOvr>
+</p:notes>
+</file>
+
+<file path=ppt/notesSlides/notesSlide11.xml><?xml version="1.0" encoding="utf-8"?>
+<p:notes xmlns:a="http://schemas.openxmlformats.org/drawingml/2006/main" xmlns:r="http://schemas.openxmlformats.org/officeDocument/2006/relationships" xmlns:p="http://schemas.openxmlformats.org/presentationml/2006/main">
+  <p:cSld>
+    <p:spTree>
+      <p:nvGrpSpPr>
+        <p:cNvPr id="1" name=""/>
+        <p:cNvGrpSpPr/>
+        <p:nvPr/>
+      </p:nvGrpSpPr>
+      <p:grpSpPr>
+        <a:xfrm>
+          <a:off x="0" y="0"/>
+          <a:ext cx="0" cy="0"/>
+          <a:chOff x="0" y="0"/>
+          <a:chExt cx="0" cy="0"/>
+        </a:xfrm>
+      </p:grpSpPr>
+      <p:sp>
+        <p:nvSpPr>
+          <p:cNvPr id="2" name="Segnaposto immagine diapositiva 1"/>
+          <p:cNvSpPr>
+            <a:spLocks noGrp="1" noRot="1" noChangeAspect="1"/>
+          </p:cNvSpPr>
+          <p:nvPr>
+            <p:ph type="sldImg"/>
+          </p:nvPr>
+        </p:nvSpPr>
+        <p:spPr>
+          <a:xfrm>
+            <a:off x="1371600" y="1143000"/>
+            <a:ext cx="4114800" cy="3086100"/>
+          </a:xfrm>
+        </p:spPr>
+      </p:sp>
+      <p:sp>
+        <p:nvSpPr>
+          <p:cNvPr id="3" name="Segnaposto note 2"/>
+          <p:cNvSpPr>
+            <a:spLocks noGrp="1"/>
+          </p:cNvSpPr>
+          <p:nvPr>
+            <p:ph type="body" idx="1"/>
+          </p:nvPr>
+        </p:nvSpPr>
+        <p:spPr/>
+        <p:txBody>
+          <a:bodyPr/>
+          <a:lstStyle/>
+          <a:p>
+            <a:endParaRPr lang="it-IT" dirty="0"/>
+          </a:p>
+        </p:txBody>
+      </p:sp>
+      <p:sp>
+        <p:nvSpPr>
+          <p:cNvPr id="4" name="Segnaposto numero diapositiva 3"/>
+          <p:cNvSpPr>
+            <a:spLocks noGrp="1"/>
+          </p:cNvSpPr>
+          <p:nvPr>
+            <p:ph type="sldNum" sz="quarter" idx="5"/>
+          </p:nvPr>
+        </p:nvSpPr>
+        <p:spPr/>
+        <p:txBody>
+          <a:bodyPr/>
+          <a:lstStyle/>
+          <a:p>
+            <a:fld id="{79E7D7B2-511C-5746-97D1-507EEDB38854}" type="slidenum">
+              <a:rPr lang="it-IT" smtClean="0"/>
+              <a:t>21</a:t>
+            </a:fld>
+            <a:endParaRPr lang="it-IT"/>
+          </a:p>
+        </p:txBody>
+      </p:sp>
+    </p:spTree>
+    <p:extLst>
+      <p:ext uri="{BB962C8B-B14F-4D97-AF65-F5344CB8AC3E}">
+        <p14:creationId xmlns:p14="http://schemas.microsoft.com/office/powerpoint/2010/main" val="1156620126"/>
+      </p:ext>
+    </p:extLst>
+  </p:cSld>
+  <p:clrMapOvr>
+    <a:masterClrMapping/>
+  </p:clrMapOvr>
+</p:notes>
+</file>
+
 <file path=ppt/notesSlides/notesSlide2.xml><?xml version="1.0" encoding="utf-8"?>
 <p:notes xmlns:a="http://schemas.openxmlformats.org/drawingml/2006/main" xmlns:r="http://schemas.openxmlformats.org/officeDocument/2006/relationships" xmlns:p="http://schemas.openxmlformats.org/presentationml/2006/main">
   <p:cSld>
@@ -1139,7 +1320,43 @@
           <a:bodyPr/>
           <a:lstStyle/>
           <a:p>
-            <a:endParaRPr lang="it-IT"/>
+            <a:pPr algn="l"/>
+            <a:r>
+              <a:rPr lang="it-IT" dirty="0" err="1"/>
+              <a:t>PoLA</a:t>
+            </a:r>
+            <a:r>
+              <a:rPr lang="it-IT" dirty="0"/>
+              <a:t>: </a:t>
+            </a:r>
+            <a:r>
+              <a:rPr lang="it-IT" sz="1800" b="0" i="0" u="none" strike="noStrike" baseline="0" dirty="0">
+                <a:latin typeface="URWPalladioL-Roma"/>
+              </a:rPr>
+              <a:t>Questo principio implica che ogni modulo deve avere accesso solo ed esclusivamente alle risorse </a:t>
+            </a:r>
+            <a:r>
+              <a:rPr lang="it-IT" sz="1800" b="0" i="0" u="none" strike="noStrike" baseline="0">
+                <a:latin typeface="URWPalladioL-Roma"/>
+              </a:rPr>
+              <a:t>strettamente necessarie al </a:t>
+            </a:r>
+            <a:r>
+              <a:rPr lang="it-IT" sz="1800" b="0" i="0" u="none" strike="noStrike" baseline="0" dirty="0">
+                <a:latin typeface="URWPalladioL-Roma"/>
+              </a:rPr>
+              <a:t>suo </a:t>
+            </a:r>
+            <a:r>
+              <a:rPr lang="it-IT" sz="1800" b="0" i="0" u="none" strike="noStrike" baseline="0">
+                <a:latin typeface="URWPalladioL-Roma"/>
+              </a:rPr>
+              <a:t>scopo.</a:t>
+            </a:r>
+          </a:p>
+          <a:p>
+            <a:pPr algn="l"/>
+            <a:endParaRPr lang="it-IT" dirty="0"/>
           </a:p>
         </p:txBody>
       </p:sp>
@@ -1223,7 +1440,163 @@
           <a:bodyPr/>
           <a:lstStyle/>
           <a:p>
-            <a:endParaRPr lang="it-IT"/>
+            <a:pPr algn="l"/>
+            <a:r>
+              <a:rPr lang="it-IT" sz="1800" b="0" i="0" u="none" strike="noStrike" baseline="0" dirty="0">
+                <a:latin typeface="URWPalladioL-Roma"/>
+              </a:rPr>
+              <a:t>primo </a:t>
+            </a:r>
+            <a:r>
+              <a:rPr lang="it-IT" sz="1800" b="0" i="0" u="none" strike="noStrike" baseline="0" dirty="0">
+                <a:latin typeface="URWPalladioL-Ital"/>
+              </a:rPr>
+              <a:t>microkernel </a:t>
+            </a:r>
+            <a:r>
+              <a:rPr lang="it-IT" sz="1800" b="0" i="0" u="none" strike="noStrike" baseline="0" dirty="0">
+                <a:latin typeface="URWPalladioL-Roma"/>
+              </a:rPr>
+              <a:t>in possesso di una verifica formale di correttezza</a:t>
+            </a:r>
+            <a:r>
+              <a:rPr lang="en-GB" sz="1800" b="0" i="0" u="none" strike="noStrike" baseline="0" dirty="0">
+                <a:latin typeface="URWPalladioL-Roma"/>
+              </a:rPr>
+              <a:t> </a:t>
+            </a:r>
+            <a:r>
+              <a:rPr lang="it-IT" sz="1800" b="0" i="0" u="none" strike="noStrike" baseline="0" noProof="0" dirty="0">
+                <a:latin typeface="URWPalladioL-Roma"/>
+              </a:rPr>
+              <a:t>funzionale</a:t>
+            </a:r>
+            <a:r>
+              <a:rPr lang="en-GB" sz="1800" b="0" i="0" u="none" strike="noStrike" baseline="0" dirty="0">
+                <a:latin typeface="URWPalladioL-Roma"/>
+              </a:rPr>
+              <a:t> a</a:t>
+            </a:r>
+            <a:r>
+              <a:rPr lang="it-IT" sz="1800" b="0" i="0" u="none" strike="noStrike" baseline="0" dirty="0">
+                <a:latin typeface="URWPalladioL-Roma"/>
+              </a:rPr>
+              <a:t>livello di codice sorgente, attraverso l’utilizzo del linguaggio matematico </a:t>
+            </a:r>
+            <a:r>
+              <a:rPr lang="en-GB" sz="1800" b="0" i="0" u="none" strike="noStrike" baseline="0" dirty="0">
+                <a:latin typeface="URWPalladioL-Ital"/>
+              </a:rPr>
+              <a:t>higher-order logic </a:t>
+            </a:r>
+            <a:r>
+              <a:rPr lang="en-GB" sz="1800" b="0" i="0" u="none" strike="noStrike" baseline="0" dirty="0">
+                <a:latin typeface="URWPalladioL-Roma"/>
+              </a:rPr>
+              <a:t>(HOL)</a:t>
+            </a:r>
+          </a:p>
+          <a:p>
+            <a:pPr algn="l"/>
+            <a:r>
+              <a:rPr lang="en-GB" sz="1800" b="0" i="0" u="none" strike="noStrike" baseline="0" dirty="0">
+                <a:latin typeface="URWPalladioL-Roma"/>
+              </a:rPr>
+              <a:t>Alto </a:t>
+            </a:r>
+            <a:r>
+              <a:rPr lang="it-IT" sz="1800" b="0" i="0" u="none" strike="noStrike" baseline="0" noProof="0" dirty="0">
+                <a:latin typeface="URWPalladioL-Roma"/>
+              </a:rPr>
+              <a:t>livello</a:t>
+            </a:r>
+            <a:r>
+              <a:rPr lang="en-GB" sz="1800" b="0" i="0" u="none" strike="noStrike" baseline="0" dirty="0">
+                <a:latin typeface="URWPalladioL-Roma"/>
+              </a:rPr>
+              <a:t> di </a:t>
+            </a:r>
+            <a:r>
+              <a:rPr lang="it-IT" sz="1800" b="0" i="0" u="none" strike="noStrike" baseline="0" noProof="0" dirty="0">
+                <a:latin typeface="URWPalladioL-Roma"/>
+              </a:rPr>
+              <a:t>sicurezza</a:t>
+            </a:r>
+            <a:r>
+              <a:rPr lang="en-GB" sz="1800" b="0" i="0" u="none" strike="noStrike" baseline="0" dirty="0">
+                <a:latin typeface="URWPalladioL-Roma"/>
+              </a:rPr>
+              <a:t> </a:t>
+            </a:r>
+            <a:r>
+              <a:rPr lang="it-IT" sz="1800" b="0" i="0" u="none" strike="noStrike" baseline="0" noProof="0" dirty="0">
+                <a:latin typeface="URWPalladioL-Roma"/>
+              </a:rPr>
+              <a:t>che soddisfa 3 proprietà:</a:t>
+            </a:r>
+          </a:p>
+          <a:p>
+            <a:pPr marL="285750" indent="-285750" algn="l">
+              <a:buFont typeface="Arial" panose="020B0604020202020204" pitchFamily="34" charset="0"/>
+              <a:buChar char="•"/>
+            </a:pPr>
+            <a:r>
+              <a:rPr lang="it-IT" sz="1800" b="0" i="0" u="none" strike="noStrike" baseline="0" dirty="0" err="1">
+                <a:latin typeface="URWPalladioL-Ital"/>
+              </a:rPr>
+              <a:t>confidentiality</a:t>
+            </a:r>
+            <a:r>
+              <a:rPr lang="it-IT" sz="1800" b="0" i="0" u="none" strike="noStrike" baseline="0" dirty="0">
+                <a:latin typeface="URWPalladioL-Ital"/>
+              </a:rPr>
+              <a:t>: </a:t>
+            </a:r>
+            <a:r>
+              <a:rPr lang="it-IT" sz="1800" b="0" i="0" u="none" strike="noStrike" baseline="0" dirty="0">
+                <a:latin typeface="URWPalladioL-Roma"/>
+              </a:rPr>
+              <a:t>seL4 non permette, ad un’entità, di leggere un dato senza avere il consenso esplicito di accesso in lettura al dato stesso</a:t>
+            </a:r>
+          </a:p>
+          <a:p>
+            <a:pPr marL="285750" indent="-285750" algn="l">
+              <a:buFont typeface="Arial" panose="020B0604020202020204" pitchFamily="34" charset="0"/>
+              <a:buChar char="•"/>
+            </a:pPr>
+            <a:r>
+              <a:rPr lang="it-IT" sz="1800" b="0" i="0" u="none" strike="noStrike" baseline="0" dirty="0" err="1">
+                <a:latin typeface="URWPalladioL-Ital"/>
+              </a:rPr>
+              <a:t>Integrity</a:t>
+            </a:r>
+            <a:r>
+              <a:rPr lang="it-IT" sz="1800" b="0" i="0" u="none" strike="noStrike" baseline="0" dirty="0">
+                <a:latin typeface="URWPalladioL-Roma"/>
+              </a:rPr>
+              <a:t>: seL4 non permette, ad un’entità, di modificare un dato se questa non ha un permesso di accesso esplicito in scrittura al dato</a:t>
+            </a:r>
+          </a:p>
+          <a:p>
+            <a:pPr marL="285750" indent="-285750" algn="l">
+              <a:buFont typeface="Arial" panose="020B0604020202020204" pitchFamily="34" charset="0"/>
+              <a:buChar char="•"/>
+            </a:pPr>
+            <a:r>
+              <a:rPr lang="it-IT" sz="1800" b="0" i="0" u="none" strike="noStrike" baseline="0" dirty="0" err="1">
+                <a:latin typeface="URWPalladioL-Ital"/>
+              </a:rPr>
+              <a:t>Availability</a:t>
+            </a:r>
+            <a:r>
+              <a:rPr lang="it-IT" sz="1800" b="0" i="0" u="none" strike="noStrike" baseline="0" dirty="0">
+                <a:latin typeface="URWPalladioL-Roma"/>
+              </a:rPr>
+              <a:t>: seL4 non consente, ad un’entità, di impedire l’uso autorizzato di una risorsa da parte di un’altra entità</a:t>
+            </a:r>
+            <a:endParaRPr lang="it-IT" sz="1800" b="0" i="0" u="none" strike="noStrike" baseline="0" noProof="0" dirty="0">
+              <a:latin typeface="URWPalladioL-Roma"/>
+            </a:endParaRPr>
           </a:p>
         </p:txBody>
       </p:sp>
@@ -1244,7 +1617,7 @@
           <a:p>
             <a:fld id="{79E7D7B2-511C-5746-97D1-507EEDB38854}" type="slidenum">
               <a:rPr lang="it-IT" smtClean="0"/>
-              <a:t>9</a:t>
+              <a:t>7</a:t>
             </a:fld>
             <a:endParaRPr lang="it-IT"/>
           </a:p>
@@ -1253,7 +1626,7 @@
     </p:spTree>
     <p:extLst>
       <p:ext uri="{BB962C8B-B14F-4D97-AF65-F5344CB8AC3E}">
-        <p14:creationId xmlns:p14="http://schemas.microsoft.com/office/powerpoint/2010/main" val="1002762113"/>
+        <p14:creationId xmlns:p14="http://schemas.microsoft.com/office/powerpoint/2010/main" val="485219786"/>
       </p:ext>
     </p:extLst>
   </p:cSld>
@@ -1290,12 +1663,7 @@
             <p:ph type="sldImg"/>
           </p:nvPr>
         </p:nvSpPr>
-        <p:spPr>
-          <a:xfrm>
-            <a:off x="1371600" y="1143000"/>
-            <a:ext cx="4114800" cy="3086100"/>
-          </a:xfrm>
-        </p:spPr>
+        <p:spPr/>
       </p:sp>
       <p:sp>
         <p:nvSpPr>
@@ -1312,6 +1680,48 @@
           <a:bodyPr/>
           <a:lstStyle/>
           <a:p>
+            <a:pPr algn="l"/>
+            <a:r>
+              <a:rPr lang="it-IT" sz="1800" b="0" i="0" u="none" strike="noStrike" baseline="0" dirty="0">
+                <a:latin typeface="URWPalladioL-Ital"/>
+              </a:rPr>
+              <a:t>Scheduling </a:t>
+            </a:r>
+            <a:r>
+              <a:rPr lang="it-IT" sz="1800" b="0" i="0" u="none" strike="noStrike" baseline="0" dirty="0">
+                <a:latin typeface="URWPalladioL-Roma"/>
+              </a:rPr>
+              <a:t>dei processi in seL4 e basato sulla priorità: il </a:t>
+            </a:r>
+            <a:r>
+              <a:rPr lang="it-IT" sz="1800" b="0" i="0" u="none" strike="noStrike" baseline="0" dirty="0">
+                <a:latin typeface="URWPalladioL-Ital"/>
+              </a:rPr>
+              <a:t>kernel </a:t>
+            </a:r>
+            <a:r>
+              <a:rPr lang="it-IT" sz="1800" b="0" i="0" u="none" strike="noStrike" baseline="0" dirty="0">
+                <a:latin typeface="URWPalladioL-Roma"/>
+              </a:rPr>
+              <a:t>di sua iniziativa non cambierà mai la priorità di un processo, che e sempre decisa dall’utente</a:t>
+            </a:r>
+            <a:br>
+              <a:rPr lang="it-IT" sz="1800" b="0" i="0" u="none" strike="noStrike" baseline="0" dirty="0">
+                <a:latin typeface="URWPalladioL-Roma"/>
+              </a:rPr>
+            </a:br>
+            <a:r>
+              <a:rPr lang="it-IT" sz="1800" b="0" i="0" u="none" strike="noStrike" baseline="0" dirty="0">
+                <a:latin typeface="URWPalladioL-Roma"/>
+              </a:rPr>
+              <a:t>L’esecuzione delle operazioni in modalità kernel sono esenti da interrupt. Può sembrare pericoloso ma le chiamate di sistema sono tutte molto brevi quindi non si vengono a </a:t>
+            </a:r>
+            <a:r>
+              <a:rPr lang="it-IT" sz="1800" b="0" i="0" u="none" strike="noStrike" baseline="0">
+                <a:latin typeface="URWPalladioL-Roma"/>
+              </a:rPr>
+              <a:t>creare problemi</a:t>
+            </a:r>
             <a:endParaRPr lang="it-IT" dirty="0"/>
           </a:p>
         </p:txBody>
@@ -1333,7 +1743,7 @@
           <a:p>
             <a:fld id="{79E7D7B2-511C-5746-97D1-507EEDB38854}" type="slidenum">
               <a:rPr lang="it-IT" smtClean="0"/>
-              <a:t>17</a:t>
+              <a:t>8</a:t>
             </a:fld>
             <a:endParaRPr lang="it-IT"/>
           </a:p>
@@ -1342,7 +1752,294 @@
     </p:spTree>
     <p:extLst>
       <p:ext uri="{BB962C8B-B14F-4D97-AF65-F5344CB8AC3E}">
-        <p14:creationId xmlns:p14="http://schemas.microsoft.com/office/powerpoint/2010/main" val="1156620126"/>
+        <p14:creationId xmlns:p14="http://schemas.microsoft.com/office/powerpoint/2010/main" val="1786504893"/>
+      </p:ext>
+    </p:extLst>
+  </p:cSld>
+  <p:clrMapOvr>
+    <a:masterClrMapping/>
+  </p:clrMapOvr>
+</p:notes>
+</file>
+
+<file path=ppt/notesSlides/notesSlide9.xml><?xml version="1.0" encoding="utf-8"?>
+<p:notes xmlns:a="http://schemas.openxmlformats.org/drawingml/2006/main" xmlns:r="http://schemas.openxmlformats.org/officeDocument/2006/relationships" xmlns:p="http://schemas.openxmlformats.org/presentationml/2006/main">
+  <p:cSld>
+    <p:spTree>
+      <p:nvGrpSpPr>
+        <p:cNvPr id="1" name=""/>
+        <p:cNvGrpSpPr/>
+        <p:nvPr/>
+      </p:nvGrpSpPr>
+      <p:grpSpPr>
+        <a:xfrm>
+          <a:off x="0" y="0"/>
+          <a:ext cx="0" cy="0"/>
+          <a:chOff x="0" y="0"/>
+          <a:chExt cx="0" cy="0"/>
+        </a:xfrm>
+      </p:grpSpPr>
+      <p:sp>
+        <p:nvSpPr>
+          <p:cNvPr id="2" name="Segnaposto immagine diapositiva 1"/>
+          <p:cNvSpPr>
+            <a:spLocks noGrp="1" noRot="1" noChangeAspect="1"/>
+          </p:cNvSpPr>
+          <p:nvPr>
+            <p:ph type="sldImg"/>
+          </p:nvPr>
+        </p:nvSpPr>
+        <p:spPr/>
+      </p:sp>
+      <p:sp>
+        <p:nvSpPr>
+          <p:cNvPr id="3" name="Segnaposto note 2"/>
+          <p:cNvSpPr>
+            <a:spLocks noGrp="1"/>
+          </p:cNvSpPr>
+          <p:nvPr>
+            <p:ph type="body" idx="1"/>
+          </p:nvPr>
+        </p:nvSpPr>
+        <p:spPr/>
+        <p:txBody>
+          <a:bodyPr/>
+          <a:lstStyle/>
+          <a:p>
+            <a:pPr algn="l"/>
+            <a:r>
+              <a:rPr lang="it-IT" dirty="0"/>
+              <a:t>Linux come sistema di base su coi sono andato a installare i prerequisiti: </a:t>
+            </a:r>
+            <a:r>
+              <a:rPr lang="it-IT" sz="1800" b="0" i="0" u="none" strike="noStrike" baseline="0" dirty="0">
+                <a:latin typeface="URWPalladioL-Roma"/>
+              </a:rPr>
+              <a:t>Google repo, </a:t>
+            </a:r>
+            <a:r>
+              <a:rPr lang="it-IT" sz="1800" b="0" i="0" u="none" strike="noStrike" baseline="0" dirty="0">
+                <a:latin typeface="URWPalladioL-Ital"/>
+              </a:rPr>
+              <a:t>build-</a:t>
+            </a:r>
+            <a:r>
+              <a:rPr lang="it-IT" sz="1800" b="0" i="0" u="none" strike="noStrike" baseline="0" dirty="0" err="1">
+                <a:latin typeface="URWPalladioL-Ital"/>
+              </a:rPr>
+              <a:t>essential</a:t>
+            </a:r>
+            <a:r>
+              <a:rPr lang="it-IT" sz="1800" b="0" i="0" u="none" strike="noStrike" baseline="0" dirty="0">
+                <a:latin typeface="URWPalladioL-Roma"/>
+              </a:rPr>
+              <a:t>, </a:t>
+            </a:r>
+            <a:r>
+              <a:rPr lang="it-IT" sz="1800" b="0" i="0" u="none" strike="noStrike" baseline="0" dirty="0" err="1">
+                <a:latin typeface="URWPalladioL-Ital"/>
+              </a:rPr>
+              <a:t>cmake</a:t>
+            </a:r>
+            <a:r>
+              <a:rPr lang="it-IT" sz="1800" b="0" i="0" u="none" strike="noStrike" baseline="0" dirty="0">
+                <a:latin typeface="URWPalladioL-Roma"/>
+              </a:rPr>
+              <a:t>, </a:t>
+            </a:r>
+            <a:r>
+              <a:rPr lang="it-IT" sz="1800" b="0" i="0" u="none" strike="noStrike" baseline="0" dirty="0">
+                <a:latin typeface="URWPalladioL-Ital"/>
+              </a:rPr>
+              <a:t>ninja</a:t>
+            </a:r>
+            <a:r>
+              <a:rPr lang="it-IT" sz="1800" b="0" i="0" u="none" strike="noStrike" baseline="0" dirty="0">
+                <a:latin typeface="URWPalladioL-Roma"/>
+              </a:rPr>
+              <a:t>, </a:t>
+            </a:r>
+            <a:r>
+              <a:rPr lang="it-IT" sz="1800" b="0" i="0" u="none" strike="noStrike" baseline="0" dirty="0" err="1">
+                <a:latin typeface="URWPalladioL-Ital"/>
+              </a:rPr>
+              <a:t>python</a:t>
+            </a:r>
+            <a:r>
+              <a:rPr lang="it-IT" sz="1800" b="0" i="0" u="none" strike="noStrike" baseline="0" dirty="0">
+                <a:latin typeface="URWPalladioL-Ital"/>
+              </a:rPr>
+              <a:t> </a:t>
+            </a:r>
+            <a:r>
+              <a:rPr lang="it-IT" sz="1800" b="0" i="0" u="none" strike="noStrike" baseline="0" dirty="0">
+                <a:latin typeface="URWPalladioL-Roma"/>
+              </a:rPr>
+              <a:t>e QEMU, </a:t>
+            </a:r>
+            <a:r>
+              <a:rPr lang="it-IT" sz="1800" b="0" i="0" u="none" strike="noStrike" baseline="0" dirty="0" err="1">
+                <a:latin typeface="URWPalladioL-Roma"/>
+              </a:rPr>
+              <a:t>CAmkES</a:t>
+            </a:r>
+            <a:r>
+              <a:rPr lang="it-IT" sz="1800" b="0" i="0" u="none" strike="noStrike" baseline="0" dirty="0">
+                <a:latin typeface="URWPalladioL-Roma"/>
+              </a:rPr>
+              <a:t> (</a:t>
+            </a:r>
+            <a:r>
+              <a:rPr lang="it-IT" sz="1800" b="0" i="0" u="none" strike="noStrike" baseline="0" dirty="0">
+                <a:latin typeface="URWPalladioL-Ital"/>
+              </a:rPr>
+              <a:t>component </a:t>
+            </a:r>
+            <a:r>
+              <a:rPr lang="it-IT" sz="1800" b="0" i="0" u="none" strike="noStrike" baseline="0" dirty="0" err="1">
+                <a:latin typeface="URWPalladioL-Ital"/>
+              </a:rPr>
+              <a:t>architecture</a:t>
+            </a:r>
+            <a:r>
+              <a:rPr lang="it-IT" sz="1800" b="0" i="0" u="none" strike="noStrike" baseline="0" dirty="0">
+                <a:latin typeface="URWPalladioL-Ital"/>
+              </a:rPr>
+              <a:t> for microkernel-</a:t>
+            </a:r>
+            <a:r>
+              <a:rPr lang="it-IT" sz="1800" b="0" i="0" u="none" strike="noStrike" baseline="0" dirty="0" err="1">
+                <a:latin typeface="URWPalladioL-Ital"/>
+              </a:rPr>
+              <a:t>based</a:t>
+            </a:r>
+            <a:r>
+              <a:rPr lang="it-IT" sz="1800" b="0" i="0" u="none" strike="noStrike" baseline="0" dirty="0">
+                <a:latin typeface="URWPalladioL-Ital"/>
+              </a:rPr>
+              <a:t> embedded systems</a:t>
+            </a:r>
+            <a:r>
+              <a:rPr lang="it-IT" sz="1800" b="0" i="0" u="none" strike="noStrike" baseline="0" dirty="0">
+                <a:latin typeface="URWPalladioL-Roma"/>
+              </a:rPr>
+              <a:t>)</a:t>
+            </a:r>
+          </a:p>
+          <a:p>
+            <a:pPr algn="l"/>
+            <a:r>
+              <a:rPr lang="it-IT" sz="1800" b="0" i="0" u="none" strike="noStrike" baseline="0" dirty="0">
+                <a:latin typeface="URWPalladioL-Roma"/>
+              </a:rPr>
+              <a:t>Configurazione dell’ambiente: sorgente del </a:t>
+            </a:r>
+            <a:r>
+              <a:rPr lang="it-IT" sz="1800" b="0" i="0" u="none" strike="noStrike" baseline="0" dirty="0">
+                <a:latin typeface="URWPalladioL-Ital"/>
+              </a:rPr>
+              <a:t>kernel</a:t>
+            </a:r>
+            <a:r>
+              <a:rPr lang="it-IT" sz="1800" b="0" i="0" u="none" strike="noStrike" baseline="0" dirty="0">
+                <a:latin typeface="URWPalladioL-Roma"/>
+              </a:rPr>
+              <a:t>, i </a:t>
+            </a:r>
+            <a:r>
+              <a:rPr lang="it-IT" sz="1800" b="0" i="0" u="none" strike="noStrike" baseline="0" dirty="0" err="1">
+                <a:latin typeface="URWPalladioL-Ital"/>
+              </a:rPr>
+              <a:t>theorem</a:t>
+            </a:r>
+            <a:r>
+              <a:rPr lang="it-IT" sz="1800" b="0" i="0" u="none" strike="noStrike" baseline="0" dirty="0">
+                <a:latin typeface="URWPalladioL-Ital"/>
+              </a:rPr>
+              <a:t> </a:t>
+            </a:r>
+            <a:r>
+              <a:rPr lang="it-IT" sz="1800" b="0" i="0" u="none" strike="noStrike" baseline="0" dirty="0" err="1">
+                <a:latin typeface="URWPalladioL-Ital"/>
+              </a:rPr>
+              <a:t>prover</a:t>
+            </a:r>
+            <a:r>
+              <a:rPr lang="it-IT" sz="1800" b="0" i="0" u="none" strike="noStrike" baseline="0" dirty="0">
+                <a:latin typeface="URWPalladioL-Ital"/>
+              </a:rPr>
+              <a:t> </a:t>
+            </a:r>
+            <a:r>
+              <a:rPr lang="it-IT" sz="1800" b="0" i="0" u="none" strike="noStrike" baseline="0" dirty="0">
+                <a:latin typeface="URWPalladioL-Roma"/>
+              </a:rPr>
+              <a:t>Isabelle/HOL e HOL4, Scala, Java JDK, </a:t>
+            </a:r>
+            <a:r>
+              <a:rPr lang="it-IT" sz="1800" b="0" i="0" u="none" strike="noStrike" baseline="0" dirty="0" err="1">
+                <a:latin typeface="URWPalladioL-Roma"/>
+              </a:rPr>
+              <a:t>Prover</a:t>
+            </a:r>
+            <a:r>
+              <a:rPr lang="it-IT" sz="1800" b="0" i="0" u="none" strike="noStrike" baseline="0" dirty="0">
+                <a:latin typeface="URWPalladioL-Roma"/>
+              </a:rPr>
+              <a:t> IDE (PIDE) </a:t>
+            </a:r>
+            <a:r>
+              <a:rPr lang="it-IT" sz="1800" b="0" i="0" u="none" strike="noStrike" baseline="0" dirty="0" err="1">
+                <a:latin typeface="URWPalladioL-Roma"/>
+              </a:rPr>
+              <a:t>jEdit</a:t>
+            </a:r>
+            <a:r>
+              <a:rPr lang="it-IT" sz="1800" b="0" i="0" u="none" strike="noStrike" baseline="0" dirty="0">
+                <a:latin typeface="URWPalladioL-Roma"/>
+              </a:rPr>
+              <a:t> di Isabelle</a:t>
+            </a:r>
+          </a:p>
+          <a:p>
+            <a:pPr algn="l"/>
+            <a:r>
+              <a:rPr lang="it-IT" sz="1800" b="0" i="0" u="none" strike="noStrike" baseline="0" dirty="0">
+                <a:latin typeface="URWPalladioL-Roma"/>
+              </a:rPr>
+              <a:t>Creazione delle varie directory per simulare seL4 con QEMU</a:t>
+            </a:r>
+            <a:endParaRPr lang="it-IT" dirty="0"/>
+          </a:p>
+        </p:txBody>
+      </p:sp>
+      <p:sp>
+        <p:nvSpPr>
+          <p:cNvPr id="4" name="Segnaposto numero diapositiva 3"/>
+          <p:cNvSpPr>
+            <a:spLocks noGrp="1"/>
+          </p:cNvSpPr>
+          <p:nvPr>
+            <p:ph type="sldNum" sz="quarter" idx="5"/>
+          </p:nvPr>
+        </p:nvSpPr>
+        <p:spPr/>
+        <p:txBody>
+          <a:bodyPr/>
+          <a:lstStyle/>
+          <a:p>
+            <a:fld id="{79E7D7B2-511C-5746-97D1-507EEDB38854}" type="slidenum">
+              <a:rPr lang="it-IT" smtClean="0"/>
+              <a:t>10</a:t>
+            </a:fld>
+            <a:endParaRPr lang="it-IT"/>
+          </a:p>
+        </p:txBody>
+      </p:sp>
+    </p:spTree>
+    <p:extLst>
+      <p:ext uri="{BB962C8B-B14F-4D97-AF65-F5344CB8AC3E}">
+        <p14:creationId xmlns:p14="http://schemas.microsoft.com/office/powerpoint/2010/main" val="1746843855"/>
       </p:ext>
     </p:extLst>
   </p:cSld>
@@ -8543,7 +9240,12 @@
           <a:bodyPr/>
           <a:lstStyle/>
           <a:p>
-            <a:endParaRPr lang="en-GB"/>
+            <a:r>
+              <a:rPr lang="it-IT" dirty="0">
+                <a:latin typeface="Lucida Bright" panose="02040602050505020304" pitchFamily="18" charset="0"/>
+              </a:rPr>
+              <a:t>Studio e Sperimentazione del microkernel seL4</a:t>
+            </a:r>
           </a:p>
         </p:txBody>
       </p:sp>
@@ -8568,7 +9270,40 @@
           <a:bodyPr/>
           <a:lstStyle/>
           <a:p>
-            <a:endParaRPr lang="en-GB"/>
+            <a:pPr marL="291704" indent="-285750">
+              <a:buFont typeface="Wingdings" panose="05000000000000000000" pitchFamily="2" charset="2"/>
+              <a:buChar char="Ø"/>
+            </a:pPr>
+            <a:r>
+              <a:rPr lang="it-IT" dirty="0">
+                <a:latin typeface="Lucida Bright" panose="02040602050505020304" pitchFamily="18" charset="0"/>
+              </a:rPr>
+              <a:t>Installazione dei prerequisiti</a:t>
+            </a:r>
+          </a:p>
+          <a:p>
+            <a:pPr marL="291704" indent="-285750">
+              <a:buFont typeface="Wingdings" panose="05000000000000000000" pitchFamily="2" charset="2"/>
+              <a:buChar char="Ø"/>
+            </a:pPr>
+            <a:r>
+              <a:rPr lang="it-IT" dirty="0">
+                <a:latin typeface="Lucida Bright" panose="02040602050505020304" pitchFamily="18" charset="0"/>
+              </a:rPr>
+              <a:t>Configurazione</a:t>
+            </a:r>
+          </a:p>
+          <a:p>
+            <a:pPr marL="291704" indent="-285750">
+              <a:buFont typeface="Wingdings" panose="05000000000000000000" pitchFamily="2" charset="2"/>
+              <a:buChar char="Ø"/>
+            </a:pPr>
+            <a:r>
+              <a:rPr lang="it-IT" dirty="0">
+                <a:latin typeface="Lucida Bright" panose="02040602050505020304" pitchFamily="18" charset="0"/>
+              </a:rPr>
+              <a:t>Primo avvio di seL4</a:t>
+            </a:r>
           </a:p>
         </p:txBody>
       </p:sp>
@@ -8593,14 +9328,209 @@
           <a:bodyPr/>
           <a:lstStyle/>
           <a:p>
-            <a:endParaRPr lang="en-GB"/>
-          </a:p>
-        </p:txBody>
-      </p:sp>
+            <a:r>
+              <a:rPr lang="it-IT" dirty="0">
+                <a:latin typeface="Lucida Bright" panose="02040602050505020304" pitchFamily="18" charset="0"/>
+              </a:rPr>
+              <a:t>Sperimentazione</a:t>
+            </a:r>
+          </a:p>
+        </p:txBody>
+      </p:sp>
+      <p:pic>
+        <p:nvPicPr>
+          <p:cNvPr id="8" name="Immagine 7" descr="Immagine che contiene testo, schermata, Carattere">
+            <a:extLst>
+              <a:ext uri="{FF2B5EF4-FFF2-40B4-BE49-F238E27FC236}">
+                <a16:creationId xmlns:a16="http://schemas.microsoft.com/office/drawing/2014/main" id="{C501C9B1-0501-2C6C-EC60-6B786E66F1F4}"/>
+              </a:ext>
+            </a:extLst>
+          </p:cNvPr>
+          <p:cNvPicPr>
+            <a:picLocks noChangeAspect="1"/>
+          </p:cNvPicPr>
+          <p:nvPr/>
+        </p:nvPicPr>
+        <p:blipFill>
+          <a:blip r:embed="rId3"/>
+          <a:stretch>
+            <a:fillRect/>
+          </a:stretch>
+        </p:blipFill>
+        <p:spPr>
+          <a:xfrm>
+            <a:off x="941810" y="4050008"/>
+            <a:ext cx="7260379" cy="1660497"/>
+          </a:xfrm>
+          <a:prstGeom prst="rect">
+            <a:avLst/>
+          </a:prstGeom>
+        </p:spPr>
+      </p:pic>
+      <p:sp>
+        <p:nvSpPr>
+          <p:cNvPr id="9" name="CasellaDiTesto 8">
+            <a:extLst>
+              <a:ext uri="{FF2B5EF4-FFF2-40B4-BE49-F238E27FC236}">
+                <a16:creationId xmlns:a16="http://schemas.microsoft.com/office/drawing/2014/main" id="{154D8A85-115F-6A49-D735-EF569C392794}"/>
+              </a:ext>
+            </a:extLst>
+          </p:cNvPr>
+          <p:cNvSpPr txBox="1"/>
+          <p:nvPr/>
+        </p:nvSpPr>
+        <p:spPr>
+          <a:xfrm>
+            <a:off x="5384800" y="1642919"/>
+            <a:ext cx="797013" cy="369332"/>
+          </a:xfrm>
+          <a:prstGeom prst="rect">
+            <a:avLst/>
+          </a:prstGeom>
+          <a:noFill/>
+        </p:spPr>
+        <p:txBody>
+          <a:bodyPr wrap="none" rtlCol="0">
+            <a:spAutoFit/>
+          </a:bodyPr>
+          <a:lstStyle/>
+          <a:p>
+            <a:r>
+              <a:rPr lang="it-IT" dirty="0"/>
+              <a:t>QEMU</a:t>
+            </a:r>
+          </a:p>
+        </p:txBody>
+      </p:sp>
+      <p:sp>
+        <p:nvSpPr>
+          <p:cNvPr id="10" name="CasellaDiTesto 9">
+            <a:extLst>
+              <a:ext uri="{FF2B5EF4-FFF2-40B4-BE49-F238E27FC236}">
+                <a16:creationId xmlns:a16="http://schemas.microsoft.com/office/drawing/2014/main" id="{B46AA10F-B097-6BC5-6C04-02BE18D87C9F}"/>
+              </a:ext>
+            </a:extLst>
+          </p:cNvPr>
+          <p:cNvSpPr txBox="1"/>
+          <p:nvPr/>
+        </p:nvSpPr>
+        <p:spPr>
+          <a:xfrm>
+            <a:off x="5384800" y="2128179"/>
+            <a:ext cx="945452" cy="369332"/>
+          </a:xfrm>
+          <a:prstGeom prst="rect">
+            <a:avLst/>
+          </a:prstGeom>
+          <a:noFill/>
+        </p:spPr>
+        <p:txBody>
+          <a:bodyPr wrap="none" rtlCol="0">
+            <a:spAutoFit/>
+          </a:bodyPr>
+          <a:lstStyle/>
+          <a:p>
+            <a:r>
+              <a:rPr lang="it-IT" dirty="0" err="1"/>
+              <a:t>CAmkES</a:t>
+            </a:r>
+            <a:endParaRPr lang="it-IT" dirty="0"/>
+          </a:p>
+        </p:txBody>
+      </p:sp>
+      <p:cxnSp>
+        <p:nvCxnSpPr>
+          <p:cNvPr id="12" name="Connettore 2 11">
+            <a:extLst>
+              <a:ext uri="{FF2B5EF4-FFF2-40B4-BE49-F238E27FC236}">
+                <a16:creationId xmlns:a16="http://schemas.microsoft.com/office/drawing/2014/main" id="{1CF44907-1534-274E-963B-A604997F5A1D}"/>
+              </a:ext>
+            </a:extLst>
+          </p:cNvPr>
+          <p:cNvCxnSpPr>
+            <a:endCxn id="9" idx="1"/>
+          </p:cNvCxnSpPr>
+          <p:nvPr/>
+        </p:nvCxnSpPr>
+        <p:spPr>
+          <a:xfrm flipV="1">
+            <a:off x="4328160" y="1827585"/>
+            <a:ext cx="1056640" cy="271889"/>
+          </a:xfrm>
+          <a:prstGeom prst="straightConnector1">
+            <a:avLst/>
+          </a:prstGeom>
+          <a:ln w="28575">
+            <a:solidFill>
+              <a:schemeClr val="accent1"/>
+            </a:solidFill>
+            <a:tailEnd type="triangle"/>
+          </a:ln>
+        </p:spPr>
+        <p:style>
+          <a:lnRef idx="1">
+            <a:schemeClr val="accent1"/>
+          </a:lnRef>
+          <a:fillRef idx="0">
+            <a:schemeClr val="accent1"/>
+          </a:fillRef>
+          <a:effectRef idx="0">
+            <a:schemeClr val="accent1"/>
+          </a:effectRef>
+          <a:fontRef idx="minor">
+            <a:schemeClr val="tx1"/>
+          </a:fontRef>
+        </p:style>
+      </p:cxnSp>
+      <p:cxnSp>
+        <p:nvCxnSpPr>
+          <p:cNvPr id="14" name="Connettore 2 13">
+            <a:extLst>
+              <a:ext uri="{FF2B5EF4-FFF2-40B4-BE49-F238E27FC236}">
+                <a16:creationId xmlns:a16="http://schemas.microsoft.com/office/drawing/2014/main" id="{6033F5DF-80D0-4693-34A5-9E5B6527E98E}"/>
+              </a:ext>
+            </a:extLst>
+          </p:cNvPr>
+          <p:cNvCxnSpPr>
+            <a:cxnSpLocks/>
+            <a:endCxn id="10" idx="1"/>
+          </p:cNvCxnSpPr>
+          <p:nvPr/>
+        </p:nvCxnSpPr>
+        <p:spPr>
+          <a:xfrm>
+            <a:off x="4328160" y="2099474"/>
+            <a:ext cx="1056640" cy="213371"/>
+          </a:xfrm>
+          <a:prstGeom prst="straightConnector1">
+            <a:avLst/>
+          </a:prstGeom>
+          <a:ln w="28575">
+            <a:solidFill>
+              <a:schemeClr val="accent1"/>
+            </a:solidFill>
+            <a:tailEnd type="triangle"/>
+          </a:ln>
+        </p:spPr>
+        <p:style>
+          <a:lnRef idx="1">
+            <a:schemeClr val="accent1"/>
+          </a:lnRef>
+          <a:fillRef idx="0">
+            <a:schemeClr val="accent1"/>
+          </a:fillRef>
+          <a:effectRef idx="0">
+            <a:schemeClr val="accent1"/>
+          </a:effectRef>
+          <a:fontRef idx="minor">
+            <a:schemeClr val="tx1"/>
+          </a:fontRef>
+        </p:style>
+      </p:cxnSp>
     </p:spTree>
     <p:extLst>
       <p:ext uri="{BB962C8B-B14F-4D97-AF65-F5344CB8AC3E}">
-        <p14:creationId xmlns:p14="http://schemas.microsoft.com/office/powerpoint/2010/main" val="3581258323"/>
+        <p14:creationId xmlns:p14="http://schemas.microsoft.com/office/powerpoint/2010/main" val="694227491"/>
       </p:ext>
     </p:extLst>
   </p:cSld>
@@ -8611,6 +9541,451 @@
 </file>
 
 <file path=ppt/slides/slide11.xml><?xml version="1.0" encoding="utf-8"?>
+<p:sld xmlns:a="http://schemas.openxmlformats.org/drawingml/2006/main" xmlns:r="http://schemas.openxmlformats.org/officeDocument/2006/relationships" xmlns:p="http://schemas.openxmlformats.org/presentationml/2006/main">
+  <p:cSld>
+    <p:spTree>
+      <p:nvGrpSpPr>
+        <p:cNvPr id="1" name=""/>
+        <p:cNvGrpSpPr/>
+        <p:nvPr/>
+      </p:nvGrpSpPr>
+      <p:grpSpPr>
+        <a:xfrm>
+          <a:off x="0" y="0"/>
+          <a:ext cx="0" cy="0"/>
+          <a:chOff x="0" y="0"/>
+          <a:chExt cx="0" cy="0"/>
+        </a:xfrm>
+      </p:grpSpPr>
+      <p:sp>
+        <p:nvSpPr>
+          <p:cNvPr id="2" name="Segnaposto testo 1">
+            <a:extLst>
+              <a:ext uri="{FF2B5EF4-FFF2-40B4-BE49-F238E27FC236}">
+                <a16:creationId xmlns:a16="http://schemas.microsoft.com/office/drawing/2014/main" id="{5E749CF2-E09A-4673-23E4-B8AD2CF2E82D}"/>
+              </a:ext>
+            </a:extLst>
+          </p:cNvPr>
+          <p:cNvSpPr>
+            <a:spLocks noGrp="1"/>
+          </p:cNvSpPr>
+          <p:nvPr>
+            <p:ph type="body" sz="quarter" idx="14"/>
+          </p:nvPr>
+        </p:nvSpPr>
+        <p:spPr/>
+        <p:txBody>
+          <a:bodyPr/>
+          <a:lstStyle/>
+          <a:p>
+            <a:endParaRPr lang="en-GB"/>
+          </a:p>
+        </p:txBody>
+      </p:sp>
+      <p:sp>
+        <p:nvSpPr>
+          <p:cNvPr id="3" name="Segnaposto testo 2">
+            <a:extLst>
+              <a:ext uri="{FF2B5EF4-FFF2-40B4-BE49-F238E27FC236}">
+                <a16:creationId xmlns:a16="http://schemas.microsoft.com/office/drawing/2014/main" id="{ED6BE247-1E98-D2DE-8F1C-2FE833E7329B}"/>
+              </a:ext>
+            </a:extLst>
+          </p:cNvPr>
+          <p:cNvSpPr>
+            <a:spLocks noGrp="1"/>
+          </p:cNvSpPr>
+          <p:nvPr>
+            <p:ph type="body" sz="quarter" idx="13"/>
+          </p:nvPr>
+        </p:nvSpPr>
+        <p:spPr/>
+        <p:txBody>
+          <a:bodyPr/>
+          <a:lstStyle/>
+          <a:p>
+            <a:pPr marL="291704" indent="-285750">
+              <a:buFont typeface="Wingdings" panose="05000000000000000000" pitchFamily="2" charset="2"/>
+              <a:buChar char="Ø"/>
+            </a:pPr>
+            <a:r>
+              <a:rPr lang="en-GB">
+                <a:latin typeface="Lucida Bright" panose="02040602050505020304" pitchFamily="18" charset="0"/>
+              </a:rPr>
+              <a:t>Capability</a:t>
+            </a:r>
+            <a:endParaRPr lang="en-GB" dirty="0">
+              <a:latin typeface="Lucida Bright" panose="02040602050505020304" pitchFamily="18" charset="0"/>
+            </a:endParaRPr>
+          </a:p>
+        </p:txBody>
+      </p:sp>
+      <p:sp>
+        <p:nvSpPr>
+          <p:cNvPr id="4" name="Titolo 3">
+            <a:extLst>
+              <a:ext uri="{FF2B5EF4-FFF2-40B4-BE49-F238E27FC236}">
+                <a16:creationId xmlns:a16="http://schemas.microsoft.com/office/drawing/2014/main" id="{808ED41E-A996-3599-BC35-BE2F86CA7D6E}"/>
+              </a:ext>
+            </a:extLst>
+          </p:cNvPr>
+          <p:cNvSpPr>
+            <a:spLocks noGrp="1"/>
+          </p:cNvSpPr>
+          <p:nvPr>
+            <p:ph type="title"/>
+          </p:nvPr>
+        </p:nvSpPr>
+        <p:spPr/>
+        <p:txBody>
+          <a:bodyPr/>
+          <a:lstStyle/>
+          <a:p>
+            <a:r>
+              <a:rPr lang="en-GB" dirty="0" err="1">
+                <a:latin typeface="Lucida Bright" panose="02040602050505020304" pitchFamily="18" charset="0"/>
+              </a:rPr>
+              <a:t>Sperimentazione</a:t>
+            </a:r>
+            <a:endParaRPr lang="en-GB" dirty="0">
+              <a:latin typeface="Lucida Bright" panose="02040602050505020304" pitchFamily="18" charset="0"/>
+            </a:endParaRPr>
+          </a:p>
+        </p:txBody>
+      </p:sp>
+    </p:spTree>
+    <p:extLst>
+      <p:ext uri="{BB962C8B-B14F-4D97-AF65-F5344CB8AC3E}">
+        <p14:creationId xmlns:p14="http://schemas.microsoft.com/office/powerpoint/2010/main" val="3873274624"/>
+      </p:ext>
+    </p:extLst>
+  </p:cSld>
+  <p:clrMapOvr>
+    <a:masterClrMapping/>
+  </p:clrMapOvr>
+</p:sld>
+</file>
+
+<file path=ppt/slides/slide12.xml><?xml version="1.0" encoding="utf-8"?>
+<p:sld xmlns:a="http://schemas.openxmlformats.org/drawingml/2006/main" xmlns:r="http://schemas.openxmlformats.org/officeDocument/2006/relationships" xmlns:p="http://schemas.openxmlformats.org/presentationml/2006/main">
+  <p:cSld>
+    <p:spTree>
+      <p:nvGrpSpPr>
+        <p:cNvPr id="1" name=""/>
+        <p:cNvGrpSpPr/>
+        <p:nvPr/>
+      </p:nvGrpSpPr>
+      <p:grpSpPr>
+        <a:xfrm>
+          <a:off x="0" y="0"/>
+          <a:ext cx="0" cy="0"/>
+          <a:chOff x="0" y="0"/>
+          <a:chExt cx="0" cy="0"/>
+        </a:xfrm>
+      </p:grpSpPr>
+      <p:sp>
+        <p:nvSpPr>
+          <p:cNvPr id="2" name="Titolo 1">
+            <a:extLst>
+              <a:ext uri="{FF2B5EF4-FFF2-40B4-BE49-F238E27FC236}">
+                <a16:creationId xmlns:a16="http://schemas.microsoft.com/office/drawing/2014/main" id="{F9BA5B94-538F-17B2-7B92-C5FE2E056D67}"/>
+              </a:ext>
+            </a:extLst>
+          </p:cNvPr>
+          <p:cNvSpPr>
+            <a:spLocks noGrp="1"/>
+          </p:cNvSpPr>
+          <p:nvPr>
+            <p:ph type="title"/>
+          </p:nvPr>
+        </p:nvSpPr>
+        <p:spPr/>
+        <p:txBody>
+          <a:bodyPr/>
+          <a:lstStyle/>
+          <a:p>
+            <a:r>
+              <a:rPr lang="it-IT" dirty="0"/>
+              <a:t>Alcuni schemi di diapositiva…</a:t>
+            </a:r>
+          </a:p>
+        </p:txBody>
+      </p:sp>
+    </p:spTree>
+    <p:extLst>
+      <p:ext uri="{BB962C8B-B14F-4D97-AF65-F5344CB8AC3E}">
+        <p14:creationId xmlns:p14="http://schemas.microsoft.com/office/powerpoint/2010/main" val="1092629568"/>
+      </p:ext>
+    </p:extLst>
+  </p:cSld>
+  <p:clrMapOvr>
+    <a:masterClrMapping/>
+  </p:clrMapOvr>
+</p:sld>
+</file>
+
+<file path=ppt/slides/slide13.xml><?xml version="1.0" encoding="utf-8"?>
+<p:sld xmlns:a="http://schemas.openxmlformats.org/drawingml/2006/main" xmlns:r="http://schemas.openxmlformats.org/officeDocument/2006/relationships" xmlns:p="http://schemas.openxmlformats.org/presentationml/2006/main">
+  <p:cSld>
+    <p:spTree>
+      <p:nvGrpSpPr>
+        <p:cNvPr id="1" name=""/>
+        <p:cNvGrpSpPr/>
+        <p:nvPr/>
+      </p:nvGrpSpPr>
+      <p:grpSpPr>
+        <a:xfrm>
+          <a:off x="0" y="0"/>
+          <a:ext cx="0" cy="0"/>
+          <a:chOff x="0" y="0"/>
+          <a:chExt cx="0" cy="0"/>
+        </a:xfrm>
+      </p:grpSpPr>
+      <p:sp>
+        <p:nvSpPr>
+          <p:cNvPr id="2" name="Segnaposto testo 1">
+            <a:extLst>
+              <a:ext uri="{FF2B5EF4-FFF2-40B4-BE49-F238E27FC236}">
+                <a16:creationId xmlns:a16="http://schemas.microsoft.com/office/drawing/2014/main" id="{C87A16C5-CC44-2BFC-D340-25F6ACE0196F}"/>
+              </a:ext>
+            </a:extLst>
+          </p:cNvPr>
+          <p:cNvSpPr>
+            <a:spLocks noGrp="1"/>
+          </p:cNvSpPr>
+          <p:nvPr>
+            <p:ph type="body" sz="quarter" idx="14"/>
+          </p:nvPr>
+        </p:nvSpPr>
+        <p:spPr/>
+        <p:txBody>
+          <a:bodyPr/>
+          <a:lstStyle/>
+          <a:p>
+            <a:endParaRPr lang="it-IT"/>
+          </a:p>
+        </p:txBody>
+      </p:sp>
+      <p:sp>
+        <p:nvSpPr>
+          <p:cNvPr id="3" name="Segnaposto testo 2">
+            <a:extLst>
+              <a:ext uri="{FF2B5EF4-FFF2-40B4-BE49-F238E27FC236}">
+                <a16:creationId xmlns:a16="http://schemas.microsoft.com/office/drawing/2014/main" id="{94929320-154D-CED2-0608-C6E5AF7F4022}"/>
+              </a:ext>
+            </a:extLst>
+          </p:cNvPr>
+          <p:cNvSpPr>
+            <a:spLocks noGrp="1"/>
+          </p:cNvSpPr>
+          <p:nvPr>
+            <p:ph type="body" sz="quarter" idx="13"/>
+          </p:nvPr>
+        </p:nvSpPr>
+        <p:spPr/>
+        <p:txBody>
+          <a:bodyPr/>
+          <a:lstStyle/>
+          <a:p>
+            <a:r>
+              <a:rPr lang="it-IT" dirty="0">
+                <a:latin typeface="Lucida Bright" panose="02040602050505020304" pitchFamily="18" charset="0"/>
+              </a:rPr>
+              <a:t>Questi sono due esempi di </a:t>
+            </a:r>
+            <a:r>
+              <a:rPr lang="it-IT" b="1" dirty="0">
+                <a:latin typeface="Lucida Bright" panose="02040602050505020304" pitchFamily="18" charset="0"/>
+              </a:rPr>
+              <a:t>collegamento ipertestuale:</a:t>
+            </a:r>
+            <a:endParaRPr lang="it-IT" dirty="0">
+              <a:latin typeface="Lucida Bright" panose="02040602050505020304" pitchFamily="18" charset="0"/>
+            </a:endParaRPr>
+          </a:p>
+          <a:p>
+            <a:endParaRPr lang="it-IT" dirty="0">
+              <a:latin typeface="Lucida Bright" panose="02040602050505020304" pitchFamily="18" charset="0"/>
+            </a:endParaRPr>
+          </a:p>
+          <a:p>
+            <a:r>
+              <a:rPr lang="it-IT" dirty="0">
+                <a:latin typeface="Lucida Bright" panose="02040602050505020304" pitchFamily="18" charset="0"/>
+                <a:hlinkClick r:id="rId3" tooltip="Sito web dell'Università degli Studi di Firenze"/>
+              </a:rPr>
+              <a:t>Sito dell’Università di Firenze</a:t>
+            </a:r>
+            <a:endParaRPr lang="it-IT" dirty="0">
+              <a:latin typeface="Lucida Bright" panose="02040602050505020304" pitchFamily="18" charset="0"/>
+            </a:endParaRPr>
+          </a:p>
+          <a:p>
+            <a:r>
+              <a:rPr lang="it-IT" dirty="0">
+                <a:latin typeface="Lucida Bright" panose="02040602050505020304" pitchFamily="18" charset="0"/>
+                <a:hlinkClick r:id="rId4"/>
+              </a:rPr>
+              <a:t>Orto botanico di Firenze</a:t>
+            </a:r>
+            <a:endParaRPr lang="it-IT" dirty="0">
+              <a:latin typeface="Lucida Bright" panose="02040602050505020304" pitchFamily="18" charset="0"/>
+            </a:endParaRPr>
+          </a:p>
+        </p:txBody>
+      </p:sp>
+      <p:sp>
+        <p:nvSpPr>
+          <p:cNvPr id="4" name="Titolo 3">
+            <a:extLst>
+              <a:ext uri="{FF2B5EF4-FFF2-40B4-BE49-F238E27FC236}">
+                <a16:creationId xmlns:a16="http://schemas.microsoft.com/office/drawing/2014/main" id="{4D7FAB61-73E3-4AC7-D81E-D60AD856413E}"/>
+              </a:ext>
+            </a:extLst>
+          </p:cNvPr>
+          <p:cNvSpPr>
+            <a:spLocks noGrp="1"/>
+          </p:cNvSpPr>
+          <p:nvPr>
+            <p:ph type="title"/>
+          </p:nvPr>
+        </p:nvSpPr>
+        <p:spPr/>
+        <p:txBody>
+          <a:bodyPr/>
+          <a:lstStyle/>
+          <a:p>
+            <a:r>
+              <a:rPr lang="it-IT" dirty="0">
+                <a:latin typeface="Lucida Bright" panose="02040602050505020304" pitchFamily="18" charset="0"/>
+              </a:rPr>
+              <a:t>Slide solo testo</a:t>
+            </a:r>
+          </a:p>
+        </p:txBody>
+      </p:sp>
+    </p:spTree>
+    <p:extLst>
+      <p:ext uri="{BB962C8B-B14F-4D97-AF65-F5344CB8AC3E}">
+        <p14:creationId xmlns:p14="http://schemas.microsoft.com/office/powerpoint/2010/main" val="4124723263"/>
+      </p:ext>
+    </p:extLst>
+  </p:cSld>
+  <p:clrMapOvr>
+    <a:masterClrMapping/>
+  </p:clrMapOvr>
+</p:sld>
+</file>
+
+<file path=ppt/slides/slide14.xml><?xml version="1.0" encoding="utf-8"?>
+<p:sld xmlns:a="http://schemas.openxmlformats.org/drawingml/2006/main" xmlns:r="http://schemas.openxmlformats.org/officeDocument/2006/relationships" xmlns:p="http://schemas.openxmlformats.org/presentationml/2006/main">
+  <p:cSld>
+    <p:spTree>
+      <p:nvGrpSpPr>
+        <p:cNvPr id="1" name=""/>
+        <p:cNvGrpSpPr/>
+        <p:nvPr/>
+      </p:nvGrpSpPr>
+      <p:grpSpPr>
+        <a:xfrm>
+          <a:off x="0" y="0"/>
+          <a:ext cx="0" cy="0"/>
+          <a:chOff x="0" y="0"/>
+          <a:chExt cx="0" cy="0"/>
+        </a:xfrm>
+      </p:grpSpPr>
+      <p:sp>
+        <p:nvSpPr>
+          <p:cNvPr id="2" name="Segnaposto testo 1">
+            <a:extLst>
+              <a:ext uri="{FF2B5EF4-FFF2-40B4-BE49-F238E27FC236}">
+                <a16:creationId xmlns:a16="http://schemas.microsoft.com/office/drawing/2014/main" id="{5E749CF2-E09A-4673-23E4-B8AD2CF2E82D}"/>
+              </a:ext>
+            </a:extLst>
+          </p:cNvPr>
+          <p:cNvSpPr>
+            <a:spLocks noGrp="1"/>
+          </p:cNvSpPr>
+          <p:nvPr>
+            <p:ph type="body" sz="quarter" idx="14"/>
+          </p:nvPr>
+        </p:nvSpPr>
+        <p:spPr/>
+        <p:txBody>
+          <a:bodyPr/>
+          <a:lstStyle/>
+          <a:p>
+            <a:endParaRPr lang="en-GB"/>
+          </a:p>
+        </p:txBody>
+      </p:sp>
+      <p:sp>
+        <p:nvSpPr>
+          <p:cNvPr id="3" name="Segnaposto testo 2">
+            <a:extLst>
+              <a:ext uri="{FF2B5EF4-FFF2-40B4-BE49-F238E27FC236}">
+                <a16:creationId xmlns:a16="http://schemas.microsoft.com/office/drawing/2014/main" id="{ED6BE247-1E98-D2DE-8F1C-2FE833E7329B}"/>
+              </a:ext>
+            </a:extLst>
+          </p:cNvPr>
+          <p:cNvSpPr>
+            <a:spLocks noGrp="1"/>
+          </p:cNvSpPr>
+          <p:nvPr>
+            <p:ph type="body" sz="quarter" idx="13"/>
+          </p:nvPr>
+        </p:nvSpPr>
+        <p:spPr/>
+        <p:txBody>
+          <a:bodyPr/>
+          <a:lstStyle/>
+          <a:p>
+            <a:endParaRPr lang="en-GB" dirty="0">
+              <a:latin typeface="Lucida Bright" panose="02040602050505020304" pitchFamily="18" charset="0"/>
+            </a:endParaRPr>
+          </a:p>
+        </p:txBody>
+      </p:sp>
+      <p:sp>
+        <p:nvSpPr>
+          <p:cNvPr id="4" name="Titolo 3">
+            <a:extLst>
+              <a:ext uri="{FF2B5EF4-FFF2-40B4-BE49-F238E27FC236}">
+                <a16:creationId xmlns:a16="http://schemas.microsoft.com/office/drawing/2014/main" id="{808ED41E-A996-3599-BC35-BE2F86CA7D6E}"/>
+              </a:ext>
+            </a:extLst>
+          </p:cNvPr>
+          <p:cNvSpPr>
+            <a:spLocks noGrp="1"/>
+          </p:cNvSpPr>
+          <p:nvPr>
+            <p:ph type="title"/>
+          </p:nvPr>
+        </p:nvSpPr>
+        <p:spPr/>
+        <p:txBody>
+          <a:bodyPr/>
+          <a:lstStyle/>
+          <a:p>
+            <a:endParaRPr lang="en-GB" dirty="0">
+              <a:latin typeface="Lucida Bright" panose="02040602050505020304" pitchFamily="18" charset="0"/>
+            </a:endParaRPr>
+          </a:p>
+        </p:txBody>
+      </p:sp>
+    </p:spTree>
+    <p:extLst>
+      <p:ext uri="{BB962C8B-B14F-4D97-AF65-F5344CB8AC3E}">
+        <p14:creationId xmlns:p14="http://schemas.microsoft.com/office/powerpoint/2010/main" val="2437912868"/>
+      </p:ext>
+    </p:extLst>
+  </p:cSld>
+  <p:clrMapOvr>
+    <a:masterClrMapping/>
+  </p:clrMapOvr>
+</p:sld>
+</file>
+
+<file path=ppt/slides/slide15.xml><?xml version="1.0" encoding="utf-8"?>
 <p:sld xmlns:a="http://schemas.openxmlformats.org/drawingml/2006/main" xmlns:r="http://schemas.openxmlformats.org/officeDocument/2006/relationships" xmlns:p="http://schemas.openxmlformats.org/presentationml/2006/main">
   <p:cSld>
     <p:spTree>
@@ -9211,599 +10586,6 @@
 </p:sld>
 </file>
 
-<file path=ppt/slides/slide12.xml><?xml version="1.0" encoding="utf-8"?>
-<p:sld xmlns:a="http://schemas.openxmlformats.org/drawingml/2006/main" xmlns:r="http://schemas.openxmlformats.org/officeDocument/2006/relationships" xmlns:p="http://schemas.openxmlformats.org/presentationml/2006/main">
-  <p:cSld>
-    <p:spTree>
-      <p:nvGrpSpPr>
-        <p:cNvPr id="1" name=""/>
-        <p:cNvGrpSpPr/>
-        <p:nvPr/>
-      </p:nvGrpSpPr>
-      <p:grpSpPr>
-        <a:xfrm>
-          <a:off x="0" y="0"/>
-          <a:ext cx="0" cy="0"/>
-          <a:chOff x="0" y="0"/>
-          <a:chExt cx="0" cy="0"/>
-        </a:xfrm>
-      </p:grpSpPr>
-      <p:sp>
-        <p:nvSpPr>
-          <p:cNvPr id="2" name="Titolo 1">
-            <a:extLst>
-              <a:ext uri="{FF2B5EF4-FFF2-40B4-BE49-F238E27FC236}">
-                <a16:creationId xmlns:a16="http://schemas.microsoft.com/office/drawing/2014/main" id="{F9BA5B94-538F-17B2-7B92-C5FE2E056D67}"/>
-              </a:ext>
-            </a:extLst>
-          </p:cNvPr>
-          <p:cNvSpPr>
-            <a:spLocks noGrp="1"/>
-          </p:cNvSpPr>
-          <p:nvPr>
-            <p:ph type="title"/>
-          </p:nvPr>
-        </p:nvSpPr>
-        <p:spPr/>
-        <p:txBody>
-          <a:bodyPr/>
-          <a:lstStyle/>
-          <a:p>
-            <a:r>
-              <a:rPr lang="it-IT" dirty="0"/>
-              <a:t>Slide #parola chiave</a:t>
-            </a:r>
-          </a:p>
-        </p:txBody>
-      </p:sp>
-    </p:spTree>
-    <p:extLst>
-      <p:ext uri="{BB962C8B-B14F-4D97-AF65-F5344CB8AC3E}">
-        <p14:creationId xmlns:p14="http://schemas.microsoft.com/office/powerpoint/2010/main" val="3432791192"/>
-      </p:ext>
-    </p:extLst>
-  </p:cSld>
-  <p:clrMapOvr>
-    <a:masterClrMapping/>
-  </p:clrMapOvr>
-</p:sld>
-</file>
-
-<file path=ppt/slides/slide13.xml><?xml version="1.0" encoding="utf-8"?>
-<p:sld xmlns:a="http://schemas.openxmlformats.org/drawingml/2006/main" xmlns:r="http://schemas.openxmlformats.org/officeDocument/2006/relationships" xmlns:p="http://schemas.openxmlformats.org/presentationml/2006/main">
-  <p:cSld>
-    <p:spTree>
-      <p:nvGrpSpPr>
-        <p:cNvPr id="1" name=""/>
-        <p:cNvGrpSpPr/>
-        <p:nvPr/>
-      </p:nvGrpSpPr>
-      <p:grpSpPr>
-        <a:xfrm>
-          <a:off x="0" y="0"/>
-          <a:ext cx="0" cy="0"/>
-          <a:chOff x="0" y="0"/>
-          <a:chExt cx="0" cy="0"/>
-        </a:xfrm>
-      </p:grpSpPr>
-      <p:pic>
-        <p:nvPicPr>
-          <p:cNvPr id="9" name="Segnaposto immagine 8" descr="Immagine che contiene aria aperta, erba, albero, vestiti&#10;&#10;Descrizione generata automaticamente">
-            <a:extLst>
-              <a:ext uri="{FF2B5EF4-FFF2-40B4-BE49-F238E27FC236}">
-                <a16:creationId xmlns:a16="http://schemas.microsoft.com/office/drawing/2014/main" id="{057F70BE-9422-571B-494B-207C7504A88C}"/>
-              </a:ext>
-            </a:extLst>
-          </p:cNvPr>
-          <p:cNvPicPr>
-            <a:picLocks noGrp="1" noChangeAspect="1"/>
-          </p:cNvPicPr>
-          <p:nvPr>
-            <p:ph type="pic" sz="quarter" idx="10"/>
-          </p:nvPr>
-        </p:nvPicPr>
-        <p:blipFill>
-          <a:blip r:embed="rId2" cstate="screen">
-            <a:extLst>
-              <a:ext uri="{28A0092B-C50C-407E-A947-70E740481C1C}">
-                <a14:useLocalDpi xmlns:a14="http://schemas.microsoft.com/office/drawing/2010/main"/>
-              </a:ext>
-            </a:extLst>
-          </a:blip>
-          <a:srcRect/>
-          <a:stretch>
-            <a:fillRect/>
-          </a:stretch>
-        </p:blipFill>
-        <p:spPr/>
-      </p:pic>
-      <p:sp>
-        <p:nvSpPr>
-          <p:cNvPr id="3" name="Titolo 2">
-            <a:extLst>
-              <a:ext uri="{FF2B5EF4-FFF2-40B4-BE49-F238E27FC236}">
-                <a16:creationId xmlns:a16="http://schemas.microsoft.com/office/drawing/2014/main" id="{A68C8ABB-19E0-C89D-14D2-582D259E21BB}"/>
-              </a:ext>
-            </a:extLst>
-          </p:cNvPr>
-          <p:cNvSpPr>
-            <a:spLocks noGrp="1"/>
-          </p:cNvSpPr>
-          <p:nvPr>
-            <p:ph type="title"/>
-          </p:nvPr>
-        </p:nvSpPr>
-        <p:spPr/>
-        <p:txBody>
-          <a:bodyPr/>
-          <a:lstStyle/>
-          <a:p>
-            <a:r>
-              <a:rPr lang="it-IT" dirty="0"/>
-              <a:t>Slide immagine</a:t>
-            </a:r>
-          </a:p>
-        </p:txBody>
-      </p:sp>
-      <p:sp>
-        <p:nvSpPr>
-          <p:cNvPr id="4" name="Segnaposto testo 3">
-            <a:extLst>
-              <a:ext uri="{FF2B5EF4-FFF2-40B4-BE49-F238E27FC236}">
-                <a16:creationId xmlns:a16="http://schemas.microsoft.com/office/drawing/2014/main" id="{64C4BF5A-658A-D5DF-9C4A-33D9F6D22E54}"/>
-              </a:ext>
-            </a:extLst>
-          </p:cNvPr>
-          <p:cNvSpPr>
-            <a:spLocks noGrp="1"/>
-          </p:cNvSpPr>
-          <p:nvPr>
-            <p:ph type="body" sz="quarter" idx="14"/>
-          </p:nvPr>
-        </p:nvSpPr>
-        <p:spPr/>
-        <p:txBody>
-          <a:bodyPr/>
-          <a:lstStyle/>
-          <a:p>
-            <a:endParaRPr lang="it-IT" dirty="0"/>
-          </a:p>
-        </p:txBody>
-      </p:sp>
-      <p:sp>
-        <p:nvSpPr>
-          <p:cNvPr id="5" name="Segnaposto testo 4">
-            <a:extLst>
-              <a:ext uri="{FF2B5EF4-FFF2-40B4-BE49-F238E27FC236}">
-                <a16:creationId xmlns:a16="http://schemas.microsoft.com/office/drawing/2014/main" id="{AD680B35-DC2A-0BAE-A9A9-5EE0C3BD5CD6}"/>
-              </a:ext>
-            </a:extLst>
-          </p:cNvPr>
-          <p:cNvSpPr>
-            <a:spLocks noGrp="1"/>
-          </p:cNvSpPr>
-          <p:nvPr>
-            <p:ph type="body" sz="quarter" idx="11"/>
-          </p:nvPr>
-        </p:nvSpPr>
-        <p:spPr>
-          <a:xfrm>
-            <a:off x="1" y="5263563"/>
-            <a:ext cx="5399999" cy="550009"/>
-          </a:xfrm>
-        </p:spPr>
-        <p:txBody>
-          <a:bodyPr/>
-          <a:lstStyle/>
-          <a:p>
-            <a:r>
-              <a:rPr lang="it-IT" b="0" dirty="0" err="1"/>
-              <a:t>UniFi</a:t>
-            </a:r>
-            <a:r>
-              <a:rPr lang="it-IT" b="0" dirty="0"/>
-              <a:t>, Orto botanico</a:t>
-            </a:r>
-            <a:br>
-              <a:rPr lang="it-IT" b="0" dirty="0"/>
-            </a:br>
-            <a:r>
-              <a:rPr lang="it-IT" b="0" dirty="0"/>
-              <a:t>studentesse dell’Università di Firenze</a:t>
-            </a:r>
-          </a:p>
-        </p:txBody>
-      </p:sp>
-    </p:spTree>
-    <p:extLst>
-      <p:ext uri="{BB962C8B-B14F-4D97-AF65-F5344CB8AC3E}">
-        <p14:creationId xmlns:p14="http://schemas.microsoft.com/office/powerpoint/2010/main" val="2460691769"/>
-      </p:ext>
-    </p:extLst>
-  </p:cSld>
-  <p:clrMapOvr>
-    <a:masterClrMapping/>
-  </p:clrMapOvr>
-</p:sld>
-</file>
-
-<file path=ppt/slides/slide14.xml><?xml version="1.0" encoding="utf-8"?>
-<p:sld xmlns:a="http://schemas.openxmlformats.org/drawingml/2006/main" xmlns:r="http://schemas.openxmlformats.org/officeDocument/2006/relationships" xmlns:p="http://schemas.openxmlformats.org/presentationml/2006/main">
-  <p:cSld>
-    <p:spTree>
-      <p:nvGrpSpPr>
-        <p:cNvPr id="1" name=""/>
-        <p:cNvGrpSpPr/>
-        <p:nvPr/>
-      </p:nvGrpSpPr>
-      <p:grpSpPr>
-        <a:xfrm>
-          <a:off x="0" y="0"/>
-          <a:ext cx="0" cy="0"/>
-          <a:chOff x="0" y="0"/>
-          <a:chExt cx="0" cy="0"/>
-        </a:xfrm>
-      </p:grpSpPr>
-      <p:sp>
-        <p:nvSpPr>
-          <p:cNvPr id="2" name="Segnaposto testo 1">
-            <a:extLst>
-              <a:ext uri="{FF2B5EF4-FFF2-40B4-BE49-F238E27FC236}">
-                <a16:creationId xmlns:a16="http://schemas.microsoft.com/office/drawing/2014/main" id="{89393FE4-0404-3AEC-1BDE-990E18D7B973}"/>
-              </a:ext>
-            </a:extLst>
-          </p:cNvPr>
-          <p:cNvSpPr>
-            <a:spLocks noGrp="1"/>
-          </p:cNvSpPr>
-          <p:nvPr>
-            <p:ph type="body" sz="quarter" idx="12"/>
-          </p:nvPr>
-        </p:nvSpPr>
-        <p:spPr/>
-        <p:txBody>
-          <a:bodyPr/>
-          <a:lstStyle/>
-          <a:p>
-            <a:endParaRPr lang="it-IT" dirty="0"/>
-          </a:p>
-        </p:txBody>
-      </p:sp>
-      <p:sp>
-        <p:nvSpPr>
-          <p:cNvPr id="4" name="Titolo 3">
-            <a:extLst>
-              <a:ext uri="{FF2B5EF4-FFF2-40B4-BE49-F238E27FC236}">
-                <a16:creationId xmlns:a16="http://schemas.microsoft.com/office/drawing/2014/main" id="{9E84C63C-0691-B7F1-AFBF-642F1BC5AC34}"/>
-              </a:ext>
-            </a:extLst>
-          </p:cNvPr>
-          <p:cNvSpPr>
-            <a:spLocks noGrp="1"/>
-          </p:cNvSpPr>
-          <p:nvPr>
-            <p:ph type="title"/>
-          </p:nvPr>
-        </p:nvSpPr>
-        <p:spPr/>
-        <p:txBody>
-          <a:bodyPr/>
-          <a:lstStyle/>
-          <a:p>
-            <a:r>
-              <a:rPr lang="it-IT" dirty="0"/>
-              <a:t>Slide immagine e testo</a:t>
-            </a:r>
-          </a:p>
-        </p:txBody>
-      </p:sp>
-      <p:sp>
-        <p:nvSpPr>
-          <p:cNvPr id="5" name="Segnaposto testo 4">
-            <a:extLst>
-              <a:ext uri="{FF2B5EF4-FFF2-40B4-BE49-F238E27FC236}">
-                <a16:creationId xmlns:a16="http://schemas.microsoft.com/office/drawing/2014/main" id="{D7B17E34-DA4E-49BF-F62C-94E89BFF1FA7}"/>
-              </a:ext>
-            </a:extLst>
-          </p:cNvPr>
-          <p:cNvSpPr>
-            <a:spLocks noGrp="1"/>
-          </p:cNvSpPr>
-          <p:nvPr>
-            <p:ph type="body" sz="quarter" idx="14"/>
-          </p:nvPr>
-        </p:nvSpPr>
-        <p:spPr/>
-        <p:txBody>
-          <a:bodyPr/>
-          <a:lstStyle/>
-          <a:p>
-            <a:endParaRPr lang="it-IT" dirty="0"/>
-          </a:p>
-        </p:txBody>
-      </p:sp>
-      <p:pic>
-        <p:nvPicPr>
-          <p:cNvPr id="9" name="Segnaposto immagine 8" descr="Immagine che contiene aria aperta, erba, albero, vestiti&#10;&#10;Descrizione generata automaticamente">
-            <a:extLst>
-              <a:ext uri="{FF2B5EF4-FFF2-40B4-BE49-F238E27FC236}">
-                <a16:creationId xmlns:a16="http://schemas.microsoft.com/office/drawing/2014/main" id="{7640757A-F821-5757-49B9-61A7949B3EC4}"/>
-              </a:ext>
-            </a:extLst>
-          </p:cNvPr>
-          <p:cNvPicPr>
-            <a:picLocks noGrp="1" noChangeAspect="1"/>
-          </p:cNvPicPr>
-          <p:nvPr>
-            <p:ph type="pic" sz="quarter" idx="10"/>
-          </p:nvPr>
-        </p:nvPicPr>
-        <p:blipFill>
-          <a:blip r:embed="rId2" cstate="screen">
-            <a:extLst>
-              <a:ext uri="{28A0092B-C50C-407E-A947-70E740481C1C}">
-                <a14:useLocalDpi xmlns:a14="http://schemas.microsoft.com/office/drawing/2010/main"/>
-              </a:ext>
-            </a:extLst>
-          </a:blip>
-          <a:srcRect/>
-          <a:stretch>
-            <a:fillRect/>
-          </a:stretch>
-        </p:blipFill>
-        <p:spPr/>
-      </p:pic>
-      <p:sp>
-        <p:nvSpPr>
-          <p:cNvPr id="6" name="Segnaposto testo 5">
-            <a:extLst>
-              <a:ext uri="{FF2B5EF4-FFF2-40B4-BE49-F238E27FC236}">
-                <a16:creationId xmlns:a16="http://schemas.microsoft.com/office/drawing/2014/main" id="{60CE8A8C-89B0-6FF5-00CE-86CB751B645D}"/>
-              </a:ext>
-            </a:extLst>
-          </p:cNvPr>
-          <p:cNvSpPr>
-            <a:spLocks noGrp="1"/>
-          </p:cNvSpPr>
-          <p:nvPr>
-            <p:ph type="body" sz="quarter" idx="11"/>
-          </p:nvPr>
-        </p:nvSpPr>
-        <p:spPr>
-          <a:xfrm>
-            <a:off x="1" y="4574951"/>
-            <a:ext cx="5399999" cy="575890"/>
-          </a:xfrm>
-        </p:spPr>
-        <p:txBody>
-          <a:bodyPr/>
-          <a:lstStyle/>
-          <a:p>
-            <a:r>
-              <a:rPr lang="it-IT" dirty="0" err="1"/>
-              <a:t>UniFi</a:t>
-            </a:r>
-            <a:r>
-              <a:rPr lang="it-IT" dirty="0"/>
-              <a:t>, Orto botanico</a:t>
-            </a:r>
-            <a:br>
-              <a:rPr lang="it-IT" dirty="0"/>
-            </a:br>
-            <a:r>
-              <a:rPr lang="it-IT" dirty="0"/>
-              <a:t>studentesse dell’Università di Firenze</a:t>
-            </a:r>
-          </a:p>
-        </p:txBody>
-      </p:sp>
-    </p:spTree>
-    <p:extLst>
-      <p:ext uri="{BB962C8B-B14F-4D97-AF65-F5344CB8AC3E}">
-        <p14:creationId xmlns:p14="http://schemas.microsoft.com/office/powerpoint/2010/main" val="458591271"/>
-      </p:ext>
-    </p:extLst>
-  </p:cSld>
-  <p:clrMapOvr>
-    <a:masterClrMapping/>
-  </p:clrMapOvr>
-</p:sld>
-</file>
-
-<file path=ppt/slides/slide15.xml><?xml version="1.0" encoding="utf-8"?>
-<p:sld xmlns:a="http://schemas.openxmlformats.org/drawingml/2006/main" xmlns:r="http://schemas.openxmlformats.org/officeDocument/2006/relationships" xmlns:p="http://schemas.openxmlformats.org/presentationml/2006/main">
-  <p:cSld>
-    <p:spTree>
-      <p:nvGrpSpPr>
-        <p:cNvPr id="1" name=""/>
-        <p:cNvGrpSpPr/>
-        <p:nvPr/>
-      </p:nvGrpSpPr>
-      <p:grpSpPr>
-        <a:xfrm>
-          <a:off x="0" y="0"/>
-          <a:ext cx="0" cy="0"/>
-          <a:chOff x="0" y="0"/>
-          <a:chExt cx="0" cy="0"/>
-        </a:xfrm>
-      </p:grpSpPr>
-      <p:sp>
-        <p:nvSpPr>
-          <p:cNvPr id="3" name="Titolo 2">
-            <a:extLst>
-              <a:ext uri="{FF2B5EF4-FFF2-40B4-BE49-F238E27FC236}">
-                <a16:creationId xmlns:a16="http://schemas.microsoft.com/office/drawing/2014/main" id="{63CACED3-1AE6-0BC7-3F37-38333DF1A26C}"/>
-              </a:ext>
-            </a:extLst>
-          </p:cNvPr>
-          <p:cNvSpPr>
-            <a:spLocks noGrp="1"/>
-          </p:cNvSpPr>
-          <p:nvPr>
-            <p:ph type="title"/>
-          </p:nvPr>
-        </p:nvSpPr>
-        <p:spPr/>
-        <p:txBody>
-          <a:bodyPr/>
-          <a:lstStyle/>
-          <a:p>
-            <a:r>
-              <a:rPr lang="it-IT" dirty="0"/>
-              <a:t>Slide a 2 colonne di testo</a:t>
-            </a:r>
-          </a:p>
-        </p:txBody>
-      </p:sp>
-      <p:sp>
-        <p:nvSpPr>
-          <p:cNvPr id="4" name="Segnaposto testo 3">
-            <a:extLst>
-              <a:ext uri="{FF2B5EF4-FFF2-40B4-BE49-F238E27FC236}">
-                <a16:creationId xmlns:a16="http://schemas.microsoft.com/office/drawing/2014/main" id="{E59E2CED-3AE8-6A60-8064-8CB55948E615}"/>
-              </a:ext>
-            </a:extLst>
-          </p:cNvPr>
-          <p:cNvSpPr>
-            <a:spLocks noGrp="1"/>
-          </p:cNvSpPr>
-          <p:nvPr>
-            <p:ph type="body" sz="half" idx="2"/>
-          </p:nvPr>
-        </p:nvSpPr>
-        <p:spPr/>
-        <p:txBody>
-          <a:bodyPr/>
-          <a:lstStyle/>
-          <a:p>
-            <a:endParaRPr lang="it-IT"/>
-          </a:p>
-        </p:txBody>
-      </p:sp>
-      <p:sp>
-        <p:nvSpPr>
-          <p:cNvPr id="5" name="Segnaposto testo 4">
-            <a:extLst>
-              <a:ext uri="{FF2B5EF4-FFF2-40B4-BE49-F238E27FC236}">
-                <a16:creationId xmlns:a16="http://schemas.microsoft.com/office/drawing/2014/main" id="{DA6F630E-EDF3-33DD-4E05-40CA1FD3B7C1}"/>
-              </a:ext>
-            </a:extLst>
-          </p:cNvPr>
-          <p:cNvSpPr>
-            <a:spLocks noGrp="1"/>
-          </p:cNvSpPr>
-          <p:nvPr>
-            <p:ph type="body" sz="half" idx="10"/>
-          </p:nvPr>
-        </p:nvSpPr>
-        <p:spPr/>
-        <p:txBody>
-          <a:bodyPr/>
-          <a:lstStyle/>
-          <a:p>
-            <a:endParaRPr lang="it-IT"/>
-          </a:p>
-        </p:txBody>
-      </p:sp>
-      <p:sp>
-        <p:nvSpPr>
-          <p:cNvPr id="6" name="Segnaposto testo 5">
-            <a:extLst>
-              <a:ext uri="{FF2B5EF4-FFF2-40B4-BE49-F238E27FC236}">
-                <a16:creationId xmlns:a16="http://schemas.microsoft.com/office/drawing/2014/main" id="{99244B36-C35C-A10F-D1DE-053031AE4FAB}"/>
-              </a:ext>
-            </a:extLst>
-          </p:cNvPr>
-          <p:cNvSpPr>
-            <a:spLocks noGrp="1"/>
-          </p:cNvSpPr>
-          <p:nvPr>
-            <p:ph type="body" sz="quarter" idx="13"/>
-          </p:nvPr>
-        </p:nvSpPr>
-        <p:spPr/>
-        <p:txBody>
-          <a:bodyPr/>
-          <a:lstStyle/>
-          <a:p>
-            <a:r>
-              <a:rPr lang="it-IT" dirty="0"/>
-              <a:t>Argomento 1</a:t>
-            </a:r>
-          </a:p>
-        </p:txBody>
-      </p:sp>
-      <p:sp>
-        <p:nvSpPr>
-          <p:cNvPr id="7" name="Segnaposto testo 6">
-            <a:extLst>
-              <a:ext uri="{FF2B5EF4-FFF2-40B4-BE49-F238E27FC236}">
-                <a16:creationId xmlns:a16="http://schemas.microsoft.com/office/drawing/2014/main" id="{90C29D25-E52F-8D49-75DC-DA1272FDB017}"/>
-              </a:ext>
-            </a:extLst>
-          </p:cNvPr>
-          <p:cNvSpPr>
-            <a:spLocks noGrp="1"/>
-          </p:cNvSpPr>
-          <p:nvPr>
-            <p:ph type="body" sz="quarter" idx="15"/>
-          </p:nvPr>
-        </p:nvSpPr>
-        <p:spPr/>
-        <p:txBody>
-          <a:bodyPr/>
-          <a:lstStyle/>
-          <a:p>
-            <a:r>
-              <a:rPr lang="it-IT" dirty="0"/>
-              <a:t>Argomento 2</a:t>
-            </a:r>
-          </a:p>
-        </p:txBody>
-      </p:sp>
-      <p:sp>
-        <p:nvSpPr>
-          <p:cNvPr id="8" name="Segnaposto testo 4">
-            <a:extLst>
-              <a:ext uri="{FF2B5EF4-FFF2-40B4-BE49-F238E27FC236}">
-                <a16:creationId xmlns:a16="http://schemas.microsoft.com/office/drawing/2014/main" id="{3DA6940A-7739-C52D-FBB0-5A89377C8190}"/>
-              </a:ext>
-            </a:extLst>
-          </p:cNvPr>
-          <p:cNvSpPr>
-            <a:spLocks noGrp="1"/>
-          </p:cNvSpPr>
-          <p:nvPr>
-            <p:ph type="body" sz="quarter" idx="14"/>
-          </p:nvPr>
-        </p:nvSpPr>
-        <p:spPr>
-          <a:xfrm>
-            <a:off x="246583" y="6579005"/>
-            <a:ext cx="7590251" cy="250425"/>
-          </a:xfrm>
-        </p:spPr>
-        <p:txBody>
-          <a:bodyPr/>
-          <a:lstStyle/>
-          <a:p>
-            <a:endParaRPr lang="it-IT" dirty="0"/>
-          </a:p>
-        </p:txBody>
-      </p:sp>
-    </p:spTree>
-    <p:extLst>
-      <p:ext uri="{BB962C8B-B14F-4D97-AF65-F5344CB8AC3E}">
-        <p14:creationId xmlns:p14="http://schemas.microsoft.com/office/powerpoint/2010/main" val="2848637101"/>
-      </p:ext>
-    </p:extLst>
-  </p:cSld>
-  <p:clrMapOvr>
-    <a:masterClrMapping/>
-  </p:clrMapOvr>
-</p:sld>
-</file>
-
 <file path=ppt/slides/slide16.xml><?xml version="1.0" encoding="utf-8"?>
 <p:sld xmlns:a="http://schemas.openxmlformats.org/drawingml/2006/main" xmlns:r="http://schemas.openxmlformats.org/officeDocument/2006/relationships" xmlns:p="http://schemas.openxmlformats.org/presentationml/2006/main">
   <p:cSld>
@@ -9823,10 +10605,10 @@
       </p:grpSpPr>
       <p:sp>
         <p:nvSpPr>
-          <p:cNvPr id="3" name="Titolo 2">
-            <a:extLst>
-              <a:ext uri="{FF2B5EF4-FFF2-40B4-BE49-F238E27FC236}">
-                <a16:creationId xmlns:a16="http://schemas.microsoft.com/office/drawing/2014/main" id="{4D067B78-28B3-739E-5973-324F8929D719}"/>
+          <p:cNvPr id="2" name="Titolo 1">
+            <a:extLst>
+              <a:ext uri="{FF2B5EF4-FFF2-40B4-BE49-F238E27FC236}">
+                <a16:creationId xmlns:a16="http://schemas.microsoft.com/office/drawing/2014/main" id="{F9BA5B94-538F-17B2-7B92-C5FE2E056D67}"/>
               </a:ext>
             </a:extLst>
           </p:cNvPr>
@@ -9844,204 +10626,15 @@
           <a:p>
             <a:r>
               <a:rPr lang="it-IT" dirty="0"/>
-              <a:t>Slide a 3 colonne di testo</a:t>
-            </a:r>
-          </a:p>
-        </p:txBody>
-      </p:sp>
-      <p:sp>
-        <p:nvSpPr>
-          <p:cNvPr id="4" name="Segnaposto testo 3">
-            <a:extLst>
-              <a:ext uri="{FF2B5EF4-FFF2-40B4-BE49-F238E27FC236}">
-                <a16:creationId xmlns:a16="http://schemas.microsoft.com/office/drawing/2014/main" id="{085808D4-9618-57C1-6D97-D31A60069A6F}"/>
-              </a:ext>
-            </a:extLst>
-          </p:cNvPr>
-          <p:cNvSpPr>
-            <a:spLocks noGrp="1"/>
-          </p:cNvSpPr>
-          <p:nvPr>
-            <p:ph type="body" sz="half" idx="2"/>
-          </p:nvPr>
-        </p:nvSpPr>
-        <p:spPr/>
-        <p:txBody>
-          <a:bodyPr/>
-          <a:lstStyle/>
-          <a:p>
-            <a:endParaRPr lang="it-IT"/>
-          </a:p>
-        </p:txBody>
-      </p:sp>
-      <p:sp>
-        <p:nvSpPr>
-          <p:cNvPr id="5" name="Segnaposto testo 4">
-            <a:extLst>
-              <a:ext uri="{FF2B5EF4-FFF2-40B4-BE49-F238E27FC236}">
-                <a16:creationId xmlns:a16="http://schemas.microsoft.com/office/drawing/2014/main" id="{9CC5FF38-8F4B-BFE4-D524-944474E1F508}"/>
-              </a:ext>
-            </a:extLst>
-          </p:cNvPr>
-          <p:cNvSpPr>
-            <a:spLocks noGrp="1"/>
-          </p:cNvSpPr>
-          <p:nvPr>
-            <p:ph type="body" sz="half" idx="10"/>
-          </p:nvPr>
-        </p:nvSpPr>
-        <p:spPr/>
-        <p:txBody>
-          <a:bodyPr/>
-          <a:lstStyle/>
-          <a:p>
-            <a:endParaRPr lang="it-IT"/>
-          </a:p>
-        </p:txBody>
-      </p:sp>
-      <p:sp>
-        <p:nvSpPr>
-          <p:cNvPr id="6" name="Segnaposto testo 5">
-            <a:extLst>
-              <a:ext uri="{FF2B5EF4-FFF2-40B4-BE49-F238E27FC236}">
-                <a16:creationId xmlns:a16="http://schemas.microsoft.com/office/drawing/2014/main" id="{02EE8DEC-09BF-4666-FAB6-9C9AA04D0EDC}"/>
-              </a:ext>
-            </a:extLst>
-          </p:cNvPr>
-          <p:cNvSpPr>
-            <a:spLocks noGrp="1"/>
-          </p:cNvSpPr>
-          <p:nvPr>
-            <p:ph type="body" sz="half" idx="11"/>
-          </p:nvPr>
-        </p:nvSpPr>
-        <p:spPr/>
-        <p:txBody>
-          <a:bodyPr/>
-          <a:lstStyle/>
-          <a:p>
-            <a:endParaRPr lang="it-IT"/>
-          </a:p>
-        </p:txBody>
-      </p:sp>
-      <p:sp>
-        <p:nvSpPr>
-          <p:cNvPr id="7" name="Segnaposto testo 6">
-            <a:extLst>
-              <a:ext uri="{FF2B5EF4-FFF2-40B4-BE49-F238E27FC236}">
-                <a16:creationId xmlns:a16="http://schemas.microsoft.com/office/drawing/2014/main" id="{D9864298-36C8-B0D6-AE56-45CA307648C8}"/>
-              </a:ext>
-            </a:extLst>
-          </p:cNvPr>
-          <p:cNvSpPr>
-            <a:spLocks noGrp="1"/>
-          </p:cNvSpPr>
-          <p:nvPr>
-            <p:ph type="body" sz="quarter" idx="13"/>
-          </p:nvPr>
-        </p:nvSpPr>
-        <p:spPr/>
-        <p:txBody>
-          <a:bodyPr/>
-          <a:lstStyle/>
-          <a:p>
-            <a:r>
-              <a:rPr lang="it-IT" dirty="0"/>
-              <a:t>Argomento A</a:t>
-            </a:r>
-          </a:p>
-        </p:txBody>
-      </p:sp>
-      <p:sp>
-        <p:nvSpPr>
-          <p:cNvPr id="8" name="Segnaposto testo 7">
-            <a:extLst>
-              <a:ext uri="{FF2B5EF4-FFF2-40B4-BE49-F238E27FC236}">
-                <a16:creationId xmlns:a16="http://schemas.microsoft.com/office/drawing/2014/main" id="{0E572130-1A80-7F76-0504-11FD1D522DF2}"/>
-              </a:ext>
-            </a:extLst>
-          </p:cNvPr>
-          <p:cNvSpPr>
-            <a:spLocks noGrp="1"/>
-          </p:cNvSpPr>
-          <p:nvPr>
-            <p:ph type="body" sz="quarter" idx="15"/>
-          </p:nvPr>
-        </p:nvSpPr>
-        <p:spPr/>
-        <p:txBody>
-          <a:bodyPr/>
-          <a:lstStyle/>
-          <a:p>
-            <a:r>
-              <a:rPr lang="it-IT" dirty="0"/>
-              <a:t>Argomento B</a:t>
-            </a:r>
-          </a:p>
-        </p:txBody>
-      </p:sp>
-      <p:sp>
-        <p:nvSpPr>
-          <p:cNvPr id="9" name="Segnaposto testo 8">
-            <a:extLst>
-              <a:ext uri="{FF2B5EF4-FFF2-40B4-BE49-F238E27FC236}">
-                <a16:creationId xmlns:a16="http://schemas.microsoft.com/office/drawing/2014/main" id="{9EA18B3C-0ABF-9643-A12B-14855044678A}"/>
-              </a:ext>
-            </a:extLst>
-          </p:cNvPr>
-          <p:cNvSpPr>
-            <a:spLocks noGrp="1"/>
-          </p:cNvSpPr>
-          <p:nvPr>
-            <p:ph type="body" sz="quarter" idx="16"/>
-          </p:nvPr>
-        </p:nvSpPr>
-        <p:spPr/>
-        <p:txBody>
-          <a:bodyPr/>
-          <a:lstStyle/>
-          <a:p>
-            <a:r>
-              <a:rPr lang="it-IT" dirty="0"/>
-              <a:t>Argomento C</a:t>
-            </a:r>
-          </a:p>
-        </p:txBody>
-      </p:sp>
-      <p:sp>
-        <p:nvSpPr>
-          <p:cNvPr id="10" name="Segnaposto testo 4">
-            <a:extLst>
-              <a:ext uri="{FF2B5EF4-FFF2-40B4-BE49-F238E27FC236}">
-                <a16:creationId xmlns:a16="http://schemas.microsoft.com/office/drawing/2014/main" id="{1333E8BF-DC01-0C18-0F30-B53EF9A047C7}"/>
-              </a:ext>
-            </a:extLst>
-          </p:cNvPr>
-          <p:cNvSpPr>
-            <a:spLocks noGrp="1"/>
-          </p:cNvSpPr>
-          <p:nvPr>
-            <p:ph type="body" sz="quarter" idx="14"/>
-          </p:nvPr>
-        </p:nvSpPr>
-        <p:spPr>
-          <a:xfrm>
-            <a:off x="246583" y="6579005"/>
-            <a:ext cx="7590251" cy="250425"/>
-          </a:xfrm>
-        </p:spPr>
-        <p:txBody>
-          <a:bodyPr/>
-          <a:lstStyle/>
-          <a:p>
-            <a:endParaRPr lang="it-IT" dirty="0"/>
+              <a:t>Slide #parola chiave</a:t>
+            </a:r>
           </a:p>
         </p:txBody>
       </p:sp>
     </p:spTree>
     <p:extLst>
       <p:ext uri="{BB962C8B-B14F-4D97-AF65-F5344CB8AC3E}">
-        <p14:creationId xmlns:p14="http://schemas.microsoft.com/office/powerpoint/2010/main" val="940568691"/>
+        <p14:creationId xmlns:p14="http://schemas.microsoft.com/office/powerpoint/2010/main" val="3432791192"/>
       </p:ext>
     </p:extLst>
   </p:cSld>
@@ -10068,47 +10661,51 @@
           <a:chExt cx="0" cy="0"/>
         </a:xfrm>
       </p:grpSpPr>
-      <p:sp>
-        <p:nvSpPr>
-          <p:cNvPr id="2" name="Segnaposto testo 1">
-            <a:extLst>
-              <a:ext uri="{FF2B5EF4-FFF2-40B4-BE49-F238E27FC236}">
-                <a16:creationId xmlns:a16="http://schemas.microsoft.com/office/drawing/2014/main" id="{ABC80FAA-9435-E04B-A7B3-D175AA515575}"/>
-              </a:ext>
-            </a:extLst>
-          </p:cNvPr>
-          <p:cNvSpPr>
-            <a:spLocks noGrp="1"/>
-          </p:cNvSpPr>
-          <p:nvPr>
-            <p:ph type="body" sz="quarter" idx="11"/>
-          </p:nvPr>
-        </p:nvSpPr>
+      <p:pic>
+        <p:nvPicPr>
+          <p:cNvPr id="9" name="Segnaposto immagine 8" descr="Immagine che contiene aria aperta, erba, albero, vestiti&#10;&#10;Descrizione generata automaticamente">
+            <a:extLst>
+              <a:ext uri="{FF2B5EF4-FFF2-40B4-BE49-F238E27FC236}">
+                <a16:creationId xmlns:a16="http://schemas.microsoft.com/office/drawing/2014/main" id="{057F70BE-9422-571B-494B-207C7504A88C}"/>
+              </a:ext>
+            </a:extLst>
+          </p:cNvPr>
+          <p:cNvPicPr>
+            <a:picLocks noGrp="1" noChangeAspect="1"/>
+          </p:cNvPicPr>
+          <p:nvPr>
+            <p:ph type="pic" sz="quarter" idx="10"/>
+          </p:nvPr>
+        </p:nvPicPr>
+        <p:blipFill>
+          <a:blip r:embed="rId2" cstate="screen">
+            <a:extLst>
+              <a:ext uri="{28A0092B-C50C-407E-A947-70E740481C1C}">
+                <a14:useLocalDpi xmlns:a14="http://schemas.microsoft.com/office/drawing/2010/main"/>
+              </a:ext>
+            </a:extLst>
+          </a:blip>
+          <a:srcRect/>
+          <a:stretch>
+            <a:fillRect/>
+          </a:stretch>
+        </p:blipFill>
         <p:spPr/>
-        <p:txBody>
-          <a:bodyPr>
-            <a:normAutofit lnSpcReduction="10000"/>
-          </a:bodyPr>
-          <a:lstStyle/>
-          <a:p>
-            <a:endParaRPr lang="it-IT"/>
-          </a:p>
-        </p:txBody>
-      </p:sp>
-      <p:sp>
-        <p:nvSpPr>
-          <p:cNvPr id="3" name="Segnaposto testo 2">
-            <a:extLst>
-              <a:ext uri="{FF2B5EF4-FFF2-40B4-BE49-F238E27FC236}">
-                <a16:creationId xmlns:a16="http://schemas.microsoft.com/office/drawing/2014/main" id="{7D7916F2-F149-6048-9C0C-A3C1EE95E3C4}"/>
-              </a:ext>
-            </a:extLst>
-          </p:cNvPr>
-          <p:cNvSpPr>
-            <a:spLocks noGrp="1"/>
-          </p:cNvSpPr>
-          <p:nvPr>
-            <p:ph type="body" sz="quarter" idx="12"/>
+      </p:pic>
+      <p:sp>
+        <p:nvSpPr>
+          <p:cNvPr id="3" name="Titolo 2">
+            <a:extLst>
+              <a:ext uri="{FF2B5EF4-FFF2-40B4-BE49-F238E27FC236}">
+                <a16:creationId xmlns:a16="http://schemas.microsoft.com/office/drawing/2014/main" id="{A68C8ABB-19E0-C89D-14D2-582D259E21BB}"/>
+              </a:ext>
+            </a:extLst>
+          </p:cNvPr>
+          <p:cNvSpPr>
+            <a:spLocks noGrp="1"/>
+          </p:cNvSpPr>
+          <p:nvPr>
+            <p:ph type="title"/>
           </p:nvPr>
         </p:nvSpPr>
         <p:spPr/>
@@ -10116,7 +10713,10 @@
           <a:bodyPr/>
           <a:lstStyle/>
           <a:p>
-            <a:endParaRPr lang="it-IT"/>
+            <a:r>
+              <a:rPr lang="it-IT" dirty="0"/>
+              <a:t>Slide immagine</a:t>
+            </a:r>
           </a:p>
         </p:txBody>
       </p:sp>
@@ -10125,34 +10725,7 @@
           <p:cNvPr id="4" name="Segnaposto testo 3">
             <a:extLst>
               <a:ext uri="{FF2B5EF4-FFF2-40B4-BE49-F238E27FC236}">
-                <a16:creationId xmlns:a16="http://schemas.microsoft.com/office/drawing/2014/main" id="{260CD1E0-52F9-E149-A57F-714D455359F4}"/>
-              </a:ext>
-            </a:extLst>
-          </p:cNvPr>
-          <p:cNvSpPr>
-            <a:spLocks noGrp="1"/>
-          </p:cNvSpPr>
-          <p:nvPr>
-            <p:ph type="body" sz="quarter" idx="13"/>
-          </p:nvPr>
-        </p:nvSpPr>
-        <p:spPr/>
-        <p:txBody>
-          <a:bodyPr>
-            <a:normAutofit fontScale="92500" lnSpcReduction="20000"/>
-          </a:bodyPr>
-          <a:lstStyle/>
-          <a:p>
-            <a:endParaRPr lang="it-IT"/>
-          </a:p>
-        </p:txBody>
-      </p:sp>
-      <p:sp>
-        <p:nvSpPr>
-          <p:cNvPr id="5" name="Segnaposto testo 4">
-            <a:extLst>
-              <a:ext uri="{FF2B5EF4-FFF2-40B4-BE49-F238E27FC236}">
-                <a16:creationId xmlns:a16="http://schemas.microsoft.com/office/drawing/2014/main" id="{97FBA6F7-C967-CF4D-AD7D-FC03901314B9}"/>
+                <a16:creationId xmlns:a16="http://schemas.microsoft.com/office/drawing/2014/main" id="{64C4BF5A-658A-D5DF-9C4A-33D9F6D22E54}"/>
               </a:ext>
             </a:extLst>
           </p:cNvPr>
@@ -10161,33 +10734,6 @@
           </p:cNvSpPr>
           <p:nvPr>
             <p:ph type="body" sz="quarter" idx="14"/>
-          </p:nvPr>
-        </p:nvSpPr>
-        <p:spPr/>
-        <p:txBody>
-          <a:bodyPr>
-            <a:normAutofit fontScale="92500" lnSpcReduction="20000"/>
-          </a:bodyPr>
-          <a:lstStyle/>
-          <a:p>
-            <a:endParaRPr lang="it-IT" dirty="0"/>
-          </a:p>
-        </p:txBody>
-      </p:sp>
-      <p:sp>
-        <p:nvSpPr>
-          <p:cNvPr id="6" name="Segnaposto testo 5">
-            <a:extLst>
-              <a:ext uri="{FF2B5EF4-FFF2-40B4-BE49-F238E27FC236}">
-                <a16:creationId xmlns:a16="http://schemas.microsoft.com/office/drawing/2014/main" id="{8EB8E93C-7698-414F-97DD-BFDA4142916A}"/>
-              </a:ext>
-            </a:extLst>
-          </p:cNvPr>
-          <p:cNvSpPr>
-            <a:spLocks noGrp="1"/>
-          </p:cNvSpPr>
-          <p:nvPr>
-            <p:ph type="body" sz="quarter" idx="15"/>
           </p:nvPr>
         </p:nvSpPr>
         <p:spPr/>
@@ -10195,59 +10741,50 @@
           <a:bodyPr/>
           <a:lstStyle/>
           <a:p>
-            <a:endParaRPr lang="it-IT"/>
-          </a:p>
-        </p:txBody>
-      </p:sp>
-      <p:sp>
-        <p:nvSpPr>
-          <p:cNvPr id="7" name="Segnaposto testo 6">
-            <a:extLst>
-              <a:ext uri="{FF2B5EF4-FFF2-40B4-BE49-F238E27FC236}">
-                <a16:creationId xmlns:a16="http://schemas.microsoft.com/office/drawing/2014/main" id="{55D5C45F-1F83-9949-83E6-E9AFC9760135}"/>
-              </a:ext>
-            </a:extLst>
-          </p:cNvPr>
-          <p:cNvSpPr>
-            <a:spLocks noGrp="1"/>
-          </p:cNvSpPr>
-          <p:nvPr>
-            <p:ph type="body" sz="quarter" idx="16"/>
-          </p:nvPr>
-        </p:nvSpPr>
-        <p:spPr/>
+            <a:endParaRPr lang="it-IT" dirty="0"/>
+          </a:p>
+        </p:txBody>
+      </p:sp>
+      <p:sp>
+        <p:nvSpPr>
+          <p:cNvPr id="5" name="Segnaposto testo 4">
+            <a:extLst>
+              <a:ext uri="{FF2B5EF4-FFF2-40B4-BE49-F238E27FC236}">
+                <a16:creationId xmlns:a16="http://schemas.microsoft.com/office/drawing/2014/main" id="{AD680B35-DC2A-0BAE-A9A9-5EE0C3BD5CD6}"/>
+              </a:ext>
+            </a:extLst>
+          </p:cNvPr>
+          <p:cNvSpPr>
+            <a:spLocks noGrp="1"/>
+          </p:cNvSpPr>
+          <p:nvPr>
+            <p:ph type="body" sz="quarter" idx="11"/>
+          </p:nvPr>
+        </p:nvSpPr>
+        <p:spPr>
+          <a:xfrm>
+            <a:off x="1" y="5263563"/>
+            <a:ext cx="5399999" cy="550009"/>
+          </a:xfrm>
+        </p:spPr>
         <p:txBody>
           <a:bodyPr/>
           <a:lstStyle/>
           <a:p>
-            <a:endParaRPr lang="it-IT" dirty="0"/>
-          </a:p>
-        </p:txBody>
-      </p:sp>
-      <p:sp>
-        <p:nvSpPr>
-          <p:cNvPr id="8" name="Titolo 7">
-            <a:extLst>
-              <a:ext uri="{FF2B5EF4-FFF2-40B4-BE49-F238E27FC236}">
-                <a16:creationId xmlns:a16="http://schemas.microsoft.com/office/drawing/2014/main" id="{D4EA38DD-12F7-FB4B-8A7D-28D03E1D2AD0}"/>
-              </a:ext>
-            </a:extLst>
-          </p:cNvPr>
-          <p:cNvSpPr>
-            <a:spLocks noGrp="1"/>
-          </p:cNvSpPr>
-          <p:nvPr>
-            <p:ph type="title"/>
-          </p:nvPr>
-        </p:nvSpPr>
-        <p:spPr/>
-        <p:txBody>
-          <a:bodyPr/>
-          <a:lstStyle/>
-          <a:p>
-            <a:r>
-              <a:rPr lang="it-IT" dirty="0"/>
-              <a:t>Conclusione</a:t>
+            <a:r>
+              <a:rPr lang="it-IT" b="0" dirty="0" err="1"/>
+              <a:t>UniFi</a:t>
+            </a:r>
+            <a:r>
+              <a:rPr lang="it-IT" b="0" dirty="0"/>
+              <a:t>, Orto botanico</a:t>
+            </a:r>
+            <a:br>
+              <a:rPr lang="it-IT" b="0" dirty="0"/>
+            </a:br>
+            <a:r>
+              <a:rPr lang="it-IT" b="0" dirty="0"/>
+              <a:t>studentesse dell’Università di Firenze</a:t>
             </a:r>
           </a:p>
         </p:txBody>
@@ -10255,7 +10792,384 @@
     </p:spTree>
     <p:extLst>
       <p:ext uri="{BB962C8B-B14F-4D97-AF65-F5344CB8AC3E}">
-        <p14:creationId xmlns:p14="http://schemas.microsoft.com/office/powerpoint/2010/main" val="2332281121"/>
+        <p14:creationId xmlns:p14="http://schemas.microsoft.com/office/powerpoint/2010/main" val="2460691769"/>
+      </p:ext>
+    </p:extLst>
+  </p:cSld>
+  <p:clrMapOvr>
+    <a:masterClrMapping/>
+  </p:clrMapOvr>
+</p:sld>
+</file>
+
+<file path=ppt/slides/slide18.xml><?xml version="1.0" encoding="utf-8"?>
+<p:sld xmlns:a="http://schemas.openxmlformats.org/drawingml/2006/main" xmlns:r="http://schemas.openxmlformats.org/officeDocument/2006/relationships" xmlns:p="http://schemas.openxmlformats.org/presentationml/2006/main">
+  <p:cSld>
+    <p:spTree>
+      <p:nvGrpSpPr>
+        <p:cNvPr id="1" name=""/>
+        <p:cNvGrpSpPr/>
+        <p:nvPr/>
+      </p:nvGrpSpPr>
+      <p:grpSpPr>
+        <a:xfrm>
+          <a:off x="0" y="0"/>
+          <a:ext cx="0" cy="0"/>
+          <a:chOff x="0" y="0"/>
+          <a:chExt cx="0" cy="0"/>
+        </a:xfrm>
+      </p:grpSpPr>
+      <p:sp>
+        <p:nvSpPr>
+          <p:cNvPr id="2" name="Segnaposto testo 1">
+            <a:extLst>
+              <a:ext uri="{FF2B5EF4-FFF2-40B4-BE49-F238E27FC236}">
+                <a16:creationId xmlns:a16="http://schemas.microsoft.com/office/drawing/2014/main" id="{89393FE4-0404-3AEC-1BDE-990E18D7B973}"/>
+              </a:ext>
+            </a:extLst>
+          </p:cNvPr>
+          <p:cNvSpPr>
+            <a:spLocks noGrp="1"/>
+          </p:cNvSpPr>
+          <p:nvPr>
+            <p:ph type="body" sz="quarter" idx="12"/>
+          </p:nvPr>
+        </p:nvSpPr>
+        <p:spPr/>
+        <p:txBody>
+          <a:bodyPr/>
+          <a:lstStyle/>
+          <a:p>
+            <a:endParaRPr lang="it-IT" dirty="0"/>
+          </a:p>
+        </p:txBody>
+      </p:sp>
+      <p:sp>
+        <p:nvSpPr>
+          <p:cNvPr id="4" name="Titolo 3">
+            <a:extLst>
+              <a:ext uri="{FF2B5EF4-FFF2-40B4-BE49-F238E27FC236}">
+                <a16:creationId xmlns:a16="http://schemas.microsoft.com/office/drawing/2014/main" id="{9E84C63C-0691-B7F1-AFBF-642F1BC5AC34}"/>
+              </a:ext>
+            </a:extLst>
+          </p:cNvPr>
+          <p:cNvSpPr>
+            <a:spLocks noGrp="1"/>
+          </p:cNvSpPr>
+          <p:nvPr>
+            <p:ph type="title"/>
+          </p:nvPr>
+        </p:nvSpPr>
+        <p:spPr/>
+        <p:txBody>
+          <a:bodyPr/>
+          <a:lstStyle/>
+          <a:p>
+            <a:r>
+              <a:rPr lang="it-IT" dirty="0"/>
+              <a:t>Slide immagine e testo</a:t>
+            </a:r>
+          </a:p>
+        </p:txBody>
+      </p:sp>
+      <p:sp>
+        <p:nvSpPr>
+          <p:cNvPr id="5" name="Segnaposto testo 4">
+            <a:extLst>
+              <a:ext uri="{FF2B5EF4-FFF2-40B4-BE49-F238E27FC236}">
+                <a16:creationId xmlns:a16="http://schemas.microsoft.com/office/drawing/2014/main" id="{D7B17E34-DA4E-49BF-F62C-94E89BFF1FA7}"/>
+              </a:ext>
+            </a:extLst>
+          </p:cNvPr>
+          <p:cNvSpPr>
+            <a:spLocks noGrp="1"/>
+          </p:cNvSpPr>
+          <p:nvPr>
+            <p:ph type="body" sz="quarter" idx="14"/>
+          </p:nvPr>
+        </p:nvSpPr>
+        <p:spPr/>
+        <p:txBody>
+          <a:bodyPr/>
+          <a:lstStyle/>
+          <a:p>
+            <a:endParaRPr lang="it-IT" dirty="0"/>
+          </a:p>
+        </p:txBody>
+      </p:sp>
+      <p:pic>
+        <p:nvPicPr>
+          <p:cNvPr id="9" name="Segnaposto immagine 8" descr="Immagine che contiene aria aperta, erba, albero, vestiti&#10;&#10;Descrizione generata automaticamente">
+            <a:extLst>
+              <a:ext uri="{FF2B5EF4-FFF2-40B4-BE49-F238E27FC236}">
+                <a16:creationId xmlns:a16="http://schemas.microsoft.com/office/drawing/2014/main" id="{7640757A-F821-5757-49B9-61A7949B3EC4}"/>
+              </a:ext>
+            </a:extLst>
+          </p:cNvPr>
+          <p:cNvPicPr>
+            <a:picLocks noGrp="1" noChangeAspect="1"/>
+          </p:cNvPicPr>
+          <p:nvPr>
+            <p:ph type="pic" sz="quarter" idx="10"/>
+          </p:nvPr>
+        </p:nvPicPr>
+        <p:blipFill>
+          <a:blip r:embed="rId2" cstate="screen">
+            <a:extLst>
+              <a:ext uri="{28A0092B-C50C-407E-A947-70E740481C1C}">
+                <a14:useLocalDpi xmlns:a14="http://schemas.microsoft.com/office/drawing/2010/main"/>
+              </a:ext>
+            </a:extLst>
+          </a:blip>
+          <a:srcRect/>
+          <a:stretch>
+            <a:fillRect/>
+          </a:stretch>
+        </p:blipFill>
+        <p:spPr/>
+      </p:pic>
+      <p:sp>
+        <p:nvSpPr>
+          <p:cNvPr id="6" name="Segnaposto testo 5">
+            <a:extLst>
+              <a:ext uri="{FF2B5EF4-FFF2-40B4-BE49-F238E27FC236}">
+                <a16:creationId xmlns:a16="http://schemas.microsoft.com/office/drawing/2014/main" id="{60CE8A8C-89B0-6FF5-00CE-86CB751B645D}"/>
+              </a:ext>
+            </a:extLst>
+          </p:cNvPr>
+          <p:cNvSpPr>
+            <a:spLocks noGrp="1"/>
+          </p:cNvSpPr>
+          <p:nvPr>
+            <p:ph type="body" sz="quarter" idx="11"/>
+          </p:nvPr>
+        </p:nvSpPr>
+        <p:spPr>
+          <a:xfrm>
+            <a:off x="1" y="4574951"/>
+            <a:ext cx="5399999" cy="575890"/>
+          </a:xfrm>
+        </p:spPr>
+        <p:txBody>
+          <a:bodyPr/>
+          <a:lstStyle/>
+          <a:p>
+            <a:r>
+              <a:rPr lang="it-IT" dirty="0" err="1"/>
+              <a:t>UniFi</a:t>
+            </a:r>
+            <a:r>
+              <a:rPr lang="it-IT" dirty="0"/>
+              <a:t>, Orto botanico</a:t>
+            </a:r>
+            <a:br>
+              <a:rPr lang="it-IT" dirty="0"/>
+            </a:br>
+            <a:r>
+              <a:rPr lang="it-IT" dirty="0"/>
+              <a:t>studentesse dell’Università di Firenze</a:t>
+            </a:r>
+          </a:p>
+        </p:txBody>
+      </p:sp>
+    </p:spTree>
+    <p:extLst>
+      <p:ext uri="{BB962C8B-B14F-4D97-AF65-F5344CB8AC3E}">
+        <p14:creationId xmlns:p14="http://schemas.microsoft.com/office/powerpoint/2010/main" val="458591271"/>
+      </p:ext>
+    </p:extLst>
+  </p:cSld>
+  <p:clrMapOvr>
+    <a:masterClrMapping/>
+  </p:clrMapOvr>
+</p:sld>
+</file>
+
+<file path=ppt/slides/slide19.xml><?xml version="1.0" encoding="utf-8"?>
+<p:sld xmlns:a="http://schemas.openxmlformats.org/drawingml/2006/main" xmlns:r="http://schemas.openxmlformats.org/officeDocument/2006/relationships" xmlns:p="http://schemas.openxmlformats.org/presentationml/2006/main">
+  <p:cSld>
+    <p:spTree>
+      <p:nvGrpSpPr>
+        <p:cNvPr id="1" name=""/>
+        <p:cNvGrpSpPr/>
+        <p:nvPr/>
+      </p:nvGrpSpPr>
+      <p:grpSpPr>
+        <a:xfrm>
+          <a:off x="0" y="0"/>
+          <a:ext cx="0" cy="0"/>
+          <a:chOff x="0" y="0"/>
+          <a:chExt cx="0" cy="0"/>
+        </a:xfrm>
+      </p:grpSpPr>
+      <p:sp>
+        <p:nvSpPr>
+          <p:cNvPr id="3" name="Titolo 2">
+            <a:extLst>
+              <a:ext uri="{FF2B5EF4-FFF2-40B4-BE49-F238E27FC236}">
+                <a16:creationId xmlns:a16="http://schemas.microsoft.com/office/drawing/2014/main" id="{63CACED3-1AE6-0BC7-3F37-38333DF1A26C}"/>
+              </a:ext>
+            </a:extLst>
+          </p:cNvPr>
+          <p:cNvSpPr>
+            <a:spLocks noGrp="1"/>
+          </p:cNvSpPr>
+          <p:nvPr>
+            <p:ph type="title"/>
+          </p:nvPr>
+        </p:nvSpPr>
+        <p:spPr/>
+        <p:txBody>
+          <a:bodyPr/>
+          <a:lstStyle/>
+          <a:p>
+            <a:r>
+              <a:rPr lang="it-IT" dirty="0"/>
+              <a:t>Slide a 2 colonne di testo</a:t>
+            </a:r>
+          </a:p>
+        </p:txBody>
+      </p:sp>
+      <p:sp>
+        <p:nvSpPr>
+          <p:cNvPr id="4" name="Segnaposto testo 3">
+            <a:extLst>
+              <a:ext uri="{FF2B5EF4-FFF2-40B4-BE49-F238E27FC236}">
+                <a16:creationId xmlns:a16="http://schemas.microsoft.com/office/drawing/2014/main" id="{E59E2CED-3AE8-6A60-8064-8CB55948E615}"/>
+              </a:ext>
+            </a:extLst>
+          </p:cNvPr>
+          <p:cNvSpPr>
+            <a:spLocks noGrp="1"/>
+          </p:cNvSpPr>
+          <p:nvPr>
+            <p:ph type="body" sz="half" idx="2"/>
+          </p:nvPr>
+        </p:nvSpPr>
+        <p:spPr/>
+        <p:txBody>
+          <a:bodyPr/>
+          <a:lstStyle/>
+          <a:p>
+            <a:endParaRPr lang="it-IT"/>
+          </a:p>
+        </p:txBody>
+      </p:sp>
+      <p:sp>
+        <p:nvSpPr>
+          <p:cNvPr id="5" name="Segnaposto testo 4">
+            <a:extLst>
+              <a:ext uri="{FF2B5EF4-FFF2-40B4-BE49-F238E27FC236}">
+                <a16:creationId xmlns:a16="http://schemas.microsoft.com/office/drawing/2014/main" id="{DA6F630E-EDF3-33DD-4E05-40CA1FD3B7C1}"/>
+              </a:ext>
+            </a:extLst>
+          </p:cNvPr>
+          <p:cNvSpPr>
+            <a:spLocks noGrp="1"/>
+          </p:cNvSpPr>
+          <p:nvPr>
+            <p:ph type="body" sz="half" idx="10"/>
+          </p:nvPr>
+        </p:nvSpPr>
+        <p:spPr/>
+        <p:txBody>
+          <a:bodyPr/>
+          <a:lstStyle/>
+          <a:p>
+            <a:endParaRPr lang="it-IT"/>
+          </a:p>
+        </p:txBody>
+      </p:sp>
+      <p:sp>
+        <p:nvSpPr>
+          <p:cNvPr id="6" name="Segnaposto testo 5">
+            <a:extLst>
+              <a:ext uri="{FF2B5EF4-FFF2-40B4-BE49-F238E27FC236}">
+                <a16:creationId xmlns:a16="http://schemas.microsoft.com/office/drawing/2014/main" id="{99244B36-C35C-A10F-D1DE-053031AE4FAB}"/>
+              </a:ext>
+            </a:extLst>
+          </p:cNvPr>
+          <p:cNvSpPr>
+            <a:spLocks noGrp="1"/>
+          </p:cNvSpPr>
+          <p:nvPr>
+            <p:ph type="body" sz="quarter" idx="13"/>
+          </p:nvPr>
+        </p:nvSpPr>
+        <p:spPr/>
+        <p:txBody>
+          <a:bodyPr/>
+          <a:lstStyle/>
+          <a:p>
+            <a:r>
+              <a:rPr lang="it-IT" dirty="0"/>
+              <a:t>Argomento 1</a:t>
+            </a:r>
+          </a:p>
+        </p:txBody>
+      </p:sp>
+      <p:sp>
+        <p:nvSpPr>
+          <p:cNvPr id="7" name="Segnaposto testo 6">
+            <a:extLst>
+              <a:ext uri="{FF2B5EF4-FFF2-40B4-BE49-F238E27FC236}">
+                <a16:creationId xmlns:a16="http://schemas.microsoft.com/office/drawing/2014/main" id="{90C29D25-E52F-8D49-75DC-DA1272FDB017}"/>
+              </a:ext>
+            </a:extLst>
+          </p:cNvPr>
+          <p:cNvSpPr>
+            <a:spLocks noGrp="1"/>
+          </p:cNvSpPr>
+          <p:nvPr>
+            <p:ph type="body" sz="quarter" idx="15"/>
+          </p:nvPr>
+        </p:nvSpPr>
+        <p:spPr/>
+        <p:txBody>
+          <a:bodyPr/>
+          <a:lstStyle/>
+          <a:p>
+            <a:r>
+              <a:rPr lang="it-IT" dirty="0"/>
+              <a:t>Argomento 2</a:t>
+            </a:r>
+          </a:p>
+        </p:txBody>
+      </p:sp>
+      <p:sp>
+        <p:nvSpPr>
+          <p:cNvPr id="8" name="Segnaposto testo 4">
+            <a:extLst>
+              <a:ext uri="{FF2B5EF4-FFF2-40B4-BE49-F238E27FC236}">
+                <a16:creationId xmlns:a16="http://schemas.microsoft.com/office/drawing/2014/main" id="{3DA6940A-7739-C52D-FBB0-5A89377C8190}"/>
+              </a:ext>
+            </a:extLst>
+          </p:cNvPr>
+          <p:cNvSpPr>
+            <a:spLocks noGrp="1"/>
+          </p:cNvSpPr>
+          <p:nvPr>
+            <p:ph type="body" sz="quarter" idx="14"/>
+          </p:nvPr>
+        </p:nvSpPr>
+        <p:spPr>
+          <a:xfrm>
+            <a:off x="246583" y="6579005"/>
+            <a:ext cx="7590251" cy="250425"/>
+          </a:xfrm>
+        </p:spPr>
+        <p:txBody>
+          <a:bodyPr/>
+          <a:lstStyle/>
+          <a:p>
+            <a:endParaRPr lang="it-IT" dirty="0"/>
+          </a:p>
+        </p:txBody>
+      </p:sp>
+    </p:spTree>
+    <p:extLst>
+      <p:ext uri="{BB962C8B-B14F-4D97-AF65-F5344CB8AC3E}">
+        <p14:creationId xmlns:p14="http://schemas.microsoft.com/office/powerpoint/2010/main" val="2848637101"/>
       </p:ext>
     </p:extLst>
   </p:cSld>
@@ -10593,6 +11507,467 @@
 </p:sld>
 </file>
 
+<file path=ppt/slides/slide20.xml><?xml version="1.0" encoding="utf-8"?>
+<p:sld xmlns:a="http://schemas.openxmlformats.org/drawingml/2006/main" xmlns:r="http://schemas.openxmlformats.org/officeDocument/2006/relationships" xmlns:p="http://schemas.openxmlformats.org/presentationml/2006/main">
+  <p:cSld>
+    <p:spTree>
+      <p:nvGrpSpPr>
+        <p:cNvPr id="1" name=""/>
+        <p:cNvGrpSpPr/>
+        <p:nvPr/>
+      </p:nvGrpSpPr>
+      <p:grpSpPr>
+        <a:xfrm>
+          <a:off x="0" y="0"/>
+          <a:ext cx="0" cy="0"/>
+          <a:chOff x="0" y="0"/>
+          <a:chExt cx="0" cy="0"/>
+        </a:xfrm>
+      </p:grpSpPr>
+      <p:sp>
+        <p:nvSpPr>
+          <p:cNvPr id="3" name="Titolo 2">
+            <a:extLst>
+              <a:ext uri="{FF2B5EF4-FFF2-40B4-BE49-F238E27FC236}">
+                <a16:creationId xmlns:a16="http://schemas.microsoft.com/office/drawing/2014/main" id="{4D067B78-28B3-739E-5973-324F8929D719}"/>
+              </a:ext>
+            </a:extLst>
+          </p:cNvPr>
+          <p:cNvSpPr>
+            <a:spLocks noGrp="1"/>
+          </p:cNvSpPr>
+          <p:nvPr>
+            <p:ph type="title"/>
+          </p:nvPr>
+        </p:nvSpPr>
+        <p:spPr/>
+        <p:txBody>
+          <a:bodyPr/>
+          <a:lstStyle/>
+          <a:p>
+            <a:r>
+              <a:rPr lang="it-IT" dirty="0"/>
+              <a:t>Slide a 3 colonne di testo</a:t>
+            </a:r>
+          </a:p>
+        </p:txBody>
+      </p:sp>
+      <p:sp>
+        <p:nvSpPr>
+          <p:cNvPr id="4" name="Segnaposto testo 3">
+            <a:extLst>
+              <a:ext uri="{FF2B5EF4-FFF2-40B4-BE49-F238E27FC236}">
+                <a16:creationId xmlns:a16="http://schemas.microsoft.com/office/drawing/2014/main" id="{085808D4-9618-57C1-6D97-D31A60069A6F}"/>
+              </a:ext>
+            </a:extLst>
+          </p:cNvPr>
+          <p:cNvSpPr>
+            <a:spLocks noGrp="1"/>
+          </p:cNvSpPr>
+          <p:nvPr>
+            <p:ph type="body" sz="half" idx="2"/>
+          </p:nvPr>
+        </p:nvSpPr>
+        <p:spPr/>
+        <p:txBody>
+          <a:bodyPr/>
+          <a:lstStyle/>
+          <a:p>
+            <a:endParaRPr lang="it-IT"/>
+          </a:p>
+        </p:txBody>
+      </p:sp>
+      <p:sp>
+        <p:nvSpPr>
+          <p:cNvPr id="5" name="Segnaposto testo 4">
+            <a:extLst>
+              <a:ext uri="{FF2B5EF4-FFF2-40B4-BE49-F238E27FC236}">
+                <a16:creationId xmlns:a16="http://schemas.microsoft.com/office/drawing/2014/main" id="{9CC5FF38-8F4B-BFE4-D524-944474E1F508}"/>
+              </a:ext>
+            </a:extLst>
+          </p:cNvPr>
+          <p:cNvSpPr>
+            <a:spLocks noGrp="1"/>
+          </p:cNvSpPr>
+          <p:nvPr>
+            <p:ph type="body" sz="half" idx="10"/>
+          </p:nvPr>
+        </p:nvSpPr>
+        <p:spPr/>
+        <p:txBody>
+          <a:bodyPr/>
+          <a:lstStyle/>
+          <a:p>
+            <a:endParaRPr lang="it-IT"/>
+          </a:p>
+        </p:txBody>
+      </p:sp>
+      <p:sp>
+        <p:nvSpPr>
+          <p:cNvPr id="6" name="Segnaposto testo 5">
+            <a:extLst>
+              <a:ext uri="{FF2B5EF4-FFF2-40B4-BE49-F238E27FC236}">
+                <a16:creationId xmlns:a16="http://schemas.microsoft.com/office/drawing/2014/main" id="{02EE8DEC-09BF-4666-FAB6-9C9AA04D0EDC}"/>
+              </a:ext>
+            </a:extLst>
+          </p:cNvPr>
+          <p:cNvSpPr>
+            <a:spLocks noGrp="1"/>
+          </p:cNvSpPr>
+          <p:nvPr>
+            <p:ph type="body" sz="half" idx="11"/>
+          </p:nvPr>
+        </p:nvSpPr>
+        <p:spPr/>
+        <p:txBody>
+          <a:bodyPr/>
+          <a:lstStyle/>
+          <a:p>
+            <a:endParaRPr lang="it-IT"/>
+          </a:p>
+        </p:txBody>
+      </p:sp>
+      <p:sp>
+        <p:nvSpPr>
+          <p:cNvPr id="7" name="Segnaposto testo 6">
+            <a:extLst>
+              <a:ext uri="{FF2B5EF4-FFF2-40B4-BE49-F238E27FC236}">
+                <a16:creationId xmlns:a16="http://schemas.microsoft.com/office/drawing/2014/main" id="{D9864298-36C8-B0D6-AE56-45CA307648C8}"/>
+              </a:ext>
+            </a:extLst>
+          </p:cNvPr>
+          <p:cNvSpPr>
+            <a:spLocks noGrp="1"/>
+          </p:cNvSpPr>
+          <p:nvPr>
+            <p:ph type="body" sz="quarter" idx="13"/>
+          </p:nvPr>
+        </p:nvSpPr>
+        <p:spPr/>
+        <p:txBody>
+          <a:bodyPr/>
+          <a:lstStyle/>
+          <a:p>
+            <a:r>
+              <a:rPr lang="it-IT" dirty="0"/>
+              <a:t>Argomento A</a:t>
+            </a:r>
+          </a:p>
+        </p:txBody>
+      </p:sp>
+      <p:sp>
+        <p:nvSpPr>
+          <p:cNvPr id="8" name="Segnaposto testo 7">
+            <a:extLst>
+              <a:ext uri="{FF2B5EF4-FFF2-40B4-BE49-F238E27FC236}">
+                <a16:creationId xmlns:a16="http://schemas.microsoft.com/office/drawing/2014/main" id="{0E572130-1A80-7F76-0504-11FD1D522DF2}"/>
+              </a:ext>
+            </a:extLst>
+          </p:cNvPr>
+          <p:cNvSpPr>
+            <a:spLocks noGrp="1"/>
+          </p:cNvSpPr>
+          <p:nvPr>
+            <p:ph type="body" sz="quarter" idx="15"/>
+          </p:nvPr>
+        </p:nvSpPr>
+        <p:spPr/>
+        <p:txBody>
+          <a:bodyPr/>
+          <a:lstStyle/>
+          <a:p>
+            <a:r>
+              <a:rPr lang="it-IT" dirty="0"/>
+              <a:t>Argomento B</a:t>
+            </a:r>
+          </a:p>
+        </p:txBody>
+      </p:sp>
+      <p:sp>
+        <p:nvSpPr>
+          <p:cNvPr id="9" name="Segnaposto testo 8">
+            <a:extLst>
+              <a:ext uri="{FF2B5EF4-FFF2-40B4-BE49-F238E27FC236}">
+                <a16:creationId xmlns:a16="http://schemas.microsoft.com/office/drawing/2014/main" id="{9EA18B3C-0ABF-9643-A12B-14855044678A}"/>
+              </a:ext>
+            </a:extLst>
+          </p:cNvPr>
+          <p:cNvSpPr>
+            <a:spLocks noGrp="1"/>
+          </p:cNvSpPr>
+          <p:nvPr>
+            <p:ph type="body" sz="quarter" idx="16"/>
+          </p:nvPr>
+        </p:nvSpPr>
+        <p:spPr/>
+        <p:txBody>
+          <a:bodyPr/>
+          <a:lstStyle/>
+          <a:p>
+            <a:r>
+              <a:rPr lang="it-IT" dirty="0"/>
+              <a:t>Argomento C</a:t>
+            </a:r>
+          </a:p>
+        </p:txBody>
+      </p:sp>
+      <p:sp>
+        <p:nvSpPr>
+          <p:cNvPr id="10" name="Segnaposto testo 4">
+            <a:extLst>
+              <a:ext uri="{FF2B5EF4-FFF2-40B4-BE49-F238E27FC236}">
+                <a16:creationId xmlns:a16="http://schemas.microsoft.com/office/drawing/2014/main" id="{1333E8BF-DC01-0C18-0F30-B53EF9A047C7}"/>
+              </a:ext>
+            </a:extLst>
+          </p:cNvPr>
+          <p:cNvSpPr>
+            <a:spLocks noGrp="1"/>
+          </p:cNvSpPr>
+          <p:nvPr>
+            <p:ph type="body" sz="quarter" idx="14"/>
+          </p:nvPr>
+        </p:nvSpPr>
+        <p:spPr>
+          <a:xfrm>
+            <a:off x="246583" y="6579005"/>
+            <a:ext cx="7590251" cy="250425"/>
+          </a:xfrm>
+        </p:spPr>
+        <p:txBody>
+          <a:bodyPr/>
+          <a:lstStyle/>
+          <a:p>
+            <a:endParaRPr lang="it-IT" dirty="0"/>
+          </a:p>
+        </p:txBody>
+      </p:sp>
+    </p:spTree>
+    <p:extLst>
+      <p:ext uri="{BB962C8B-B14F-4D97-AF65-F5344CB8AC3E}">
+        <p14:creationId xmlns:p14="http://schemas.microsoft.com/office/powerpoint/2010/main" val="940568691"/>
+      </p:ext>
+    </p:extLst>
+  </p:cSld>
+  <p:clrMapOvr>
+    <a:masterClrMapping/>
+  </p:clrMapOvr>
+</p:sld>
+</file>
+
+<file path=ppt/slides/slide21.xml><?xml version="1.0" encoding="utf-8"?>
+<p:sld xmlns:a="http://schemas.openxmlformats.org/drawingml/2006/main" xmlns:r="http://schemas.openxmlformats.org/officeDocument/2006/relationships" xmlns:p="http://schemas.openxmlformats.org/presentationml/2006/main">
+  <p:cSld>
+    <p:spTree>
+      <p:nvGrpSpPr>
+        <p:cNvPr id="1" name=""/>
+        <p:cNvGrpSpPr/>
+        <p:nvPr/>
+      </p:nvGrpSpPr>
+      <p:grpSpPr>
+        <a:xfrm>
+          <a:off x="0" y="0"/>
+          <a:ext cx="0" cy="0"/>
+          <a:chOff x="0" y="0"/>
+          <a:chExt cx="0" cy="0"/>
+        </a:xfrm>
+      </p:grpSpPr>
+      <p:sp>
+        <p:nvSpPr>
+          <p:cNvPr id="2" name="Segnaposto testo 1">
+            <a:extLst>
+              <a:ext uri="{FF2B5EF4-FFF2-40B4-BE49-F238E27FC236}">
+                <a16:creationId xmlns:a16="http://schemas.microsoft.com/office/drawing/2014/main" id="{ABC80FAA-9435-E04B-A7B3-D175AA515575}"/>
+              </a:ext>
+            </a:extLst>
+          </p:cNvPr>
+          <p:cNvSpPr>
+            <a:spLocks noGrp="1"/>
+          </p:cNvSpPr>
+          <p:nvPr>
+            <p:ph type="body" sz="quarter" idx="11"/>
+          </p:nvPr>
+        </p:nvSpPr>
+        <p:spPr/>
+        <p:txBody>
+          <a:bodyPr>
+            <a:normAutofit lnSpcReduction="10000"/>
+          </a:bodyPr>
+          <a:lstStyle/>
+          <a:p>
+            <a:endParaRPr lang="it-IT"/>
+          </a:p>
+        </p:txBody>
+      </p:sp>
+      <p:sp>
+        <p:nvSpPr>
+          <p:cNvPr id="3" name="Segnaposto testo 2">
+            <a:extLst>
+              <a:ext uri="{FF2B5EF4-FFF2-40B4-BE49-F238E27FC236}">
+                <a16:creationId xmlns:a16="http://schemas.microsoft.com/office/drawing/2014/main" id="{7D7916F2-F149-6048-9C0C-A3C1EE95E3C4}"/>
+              </a:ext>
+            </a:extLst>
+          </p:cNvPr>
+          <p:cNvSpPr>
+            <a:spLocks noGrp="1"/>
+          </p:cNvSpPr>
+          <p:nvPr>
+            <p:ph type="body" sz="quarter" idx="12"/>
+          </p:nvPr>
+        </p:nvSpPr>
+        <p:spPr/>
+        <p:txBody>
+          <a:bodyPr/>
+          <a:lstStyle/>
+          <a:p>
+            <a:endParaRPr lang="it-IT"/>
+          </a:p>
+        </p:txBody>
+      </p:sp>
+      <p:sp>
+        <p:nvSpPr>
+          <p:cNvPr id="4" name="Segnaposto testo 3">
+            <a:extLst>
+              <a:ext uri="{FF2B5EF4-FFF2-40B4-BE49-F238E27FC236}">
+                <a16:creationId xmlns:a16="http://schemas.microsoft.com/office/drawing/2014/main" id="{260CD1E0-52F9-E149-A57F-714D455359F4}"/>
+              </a:ext>
+            </a:extLst>
+          </p:cNvPr>
+          <p:cNvSpPr>
+            <a:spLocks noGrp="1"/>
+          </p:cNvSpPr>
+          <p:nvPr>
+            <p:ph type="body" sz="quarter" idx="13"/>
+          </p:nvPr>
+        </p:nvSpPr>
+        <p:spPr/>
+        <p:txBody>
+          <a:bodyPr>
+            <a:normAutofit fontScale="92500" lnSpcReduction="20000"/>
+          </a:bodyPr>
+          <a:lstStyle/>
+          <a:p>
+            <a:endParaRPr lang="it-IT"/>
+          </a:p>
+        </p:txBody>
+      </p:sp>
+      <p:sp>
+        <p:nvSpPr>
+          <p:cNvPr id="5" name="Segnaposto testo 4">
+            <a:extLst>
+              <a:ext uri="{FF2B5EF4-FFF2-40B4-BE49-F238E27FC236}">
+                <a16:creationId xmlns:a16="http://schemas.microsoft.com/office/drawing/2014/main" id="{97FBA6F7-C967-CF4D-AD7D-FC03901314B9}"/>
+              </a:ext>
+            </a:extLst>
+          </p:cNvPr>
+          <p:cNvSpPr>
+            <a:spLocks noGrp="1"/>
+          </p:cNvSpPr>
+          <p:nvPr>
+            <p:ph type="body" sz="quarter" idx="14"/>
+          </p:nvPr>
+        </p:nvSpPr>
+        <p:spPr/>
+        <p:txBody>
+          <a:bodyPr>
+            <a:normAutofit fontScale="92500" lnSpcReduction="20000"/>
+          </a:bodyPr>
+          <a:lstStyle/>
+          <a:p>
+            <a:endParaRPr lang="it-IT" dirty="0"/>
+          </a:p>
+        </p:txBody>
+      </p:sp>
+      <p:sp>
+        <p:nvSpPr>
+          <p:cNvPr id="6" name="Segnaposto testo 5">
+            <a:extLst>
+              <a:ext uri="{FF2B5EF4-FFF2-40B4-BE49-F238E27FC236}">
+                <a16:creationId xmlns:a16="http://schemas.microsoft.com/office/drawing/2014/main" id="{8EB8E93C-7698-414F-97DD-BFDA4142916A}"/>
+              </a:ext>
+            </a:extLst>
+          </p:cNvPr>
+          <p:cNvSpPr>
+            <a:spLocks noGrp="1"/>
+          </p:cNvSpPr>
+          <p:nvPr>
+            <p:ph type="body" sz="quarter" idx="15"/>
+          </p:nvPr>
+        </p:nvSpPr>
+        <p:spPr/>
+        <p:txBody>
+          <a:bodyPr/>
+          <a:lstStyle/>
+          <a:p>
+            <a:endParaRPr lang="it-IT"/>
+          </a:p>
+        </p:txBody>
+      </p:sp>
+      <p:sp>
+        <p:nvSpPr>
+          <p:cNvPr id="7" name="Segnaposto testo 6">
+            <a:extLst>
+              <a:ext uri="{FF2B5EF4-FFF2-40B4-BE49-F238E27FC236}">
+                <a16:creationId xmlns:a16="http://schemas.microsoft.com/office/drawing/2014/main" id="{55D5C45F-1F83-9949-83E6-E9AFC9760135}"/>
+              </a:ext>
+            </a:extLst>
+          </p:cNvPr>
+          <p:cNvSpPr>
+            <a:spLocks noGrp="1"/>
+          </p:cNvSpPr>
+          <p:nvPr>
+            <p:ph type="body" sz="quarter" idx="16"/>
+          </p:nvPr>
+        </p:nvSpPr>
+        <p:spPr/>
+        <p:txBody>
+          <a:bodyPr/>
+          <a:lstStyle/>
+          <a:p>
+            <a:endParaRPr lang="it-IT" dirty="0"/>
+          </a:p>
+        </p:txBody>
+      </p:sp>
+      <p:sp>
+        <p:nvSpPr>
+          <p:cNvPr id="8" name="Titolo 7">
+            <a:extLst>
+              <a:ext uri="{FF2B5EF4-FFF2-40B4-BE49-F238E27FC236}">
+                <a16:creationId xmlns:a16="http://schemas.microsoft.com/office/drawing/2014/main" id="{D4EA38DD-12F7-FB4B-8A7D-28D03E1D2AD0}"/>
+              </a:ext>
+            </a:extLst>
+          </p:cNvPr>
+          <p:cNvSpPr>
+            <a:spLocks noGrp="1"/>
+          </p:cNvSpPr>
+          <p:nvPr>
+            <p:ph type="title"/>
+          </p:nvPr>
+        </p:nvSpPr>
+        <p:spPr/>
+        <p:txBody>
+          <a:bodyPr/>
+          <a:lstStyle/>
+          <a:p>
+            <a:r>
+              <a:rPr lang="it-IT" dirty="0"/>
+              <a:t>Conclusione</a:t>
+            </a:r>
+          </a:p>
+        </p:txBody>
+      </p:sp>
+    </p:spTree>
+    <p:extLst>
+      <p:ext uri="{BB962C8B-B14F-4D97-AF65-F5344CB8AC3E}">
+        <p14:creationId xmlns:p14="http://schemas.microsoft.com/office/powerpoint/2010/main" val="2332281121"/>
+      </p:ext>
+    </p:extLst>
+  </p:cSld>
+  <p:clrMapOvr>
+    <a:masterClrMapping/>
+  </p:clrMapOvr>
+</p:sld>
+</file>
+
 <file path=ppt/slides/slide3.xml><?xml version="1.0" encoding="utf-8"?>
 <p:sld xmlns:a="http://schemas.openxmlformats.org/drawingml/2006/main" xmlns:r="http://schemas.openxmlformats.org/officeDocument/2006/relationships" xmlns:p="http://schemas.openxmlformats.org/presentationml/2006/main">
   <p:cSld>
@@ -10632,7 +12007,7 @@
           </a:xfrm>
           <a:prstGeom prst="bentConnector4">
             <a:avLst>
-              <a:gd name="adj1" fmla="val 13747"/>
+              <a:gd name="adj1" fmla="val 23297"/>
               <a:gd name="adj2" fmla="val 143108"/>
             </a:avLst>
           </a:prstGeom>
@@ -11578,6 +12953,39 @@
             </a:endParaRPr>
           </a:p>
           <a:p>
+            <a:r>
+              <a:rPr lang="it-IT" dirty="0">
+                <a:latin typeface="Lucida Bright" panose="02040602050505020304" pitchFamily="18" charset="0"/>
+              </a:rPr>
+              <a:t>Proprietà:</a:t>
+            </a:r>
+          </a:p>
+          <a:p>
+            <a:pPr marL="971550" lvl="1" indent="-285750">
+              <a:buFont typeface="Wingdings" panose="05000000000000000000" pitchFamily="2" charset="2"/>
+              <a:buChar char="§"/>
+            </a:pPr>
+            <a:r>
+              <a:rPr lang="it-IT" i="1" dirty="0" err="1">
+                <a:latin typeface="Lucida Bright" panose="02040602050505020304" pitchFamily="18" charset="0"/>
+              </a:rPr>
+              <a:t>Interposition</a:t>
+            </a:r>
+            <a:endParaRPr lang="it-IT" i="1" dirty="0">
+              <a:latin typeface="Lucida Bright" panose="02040602050505020304" pitchFamily="18" charset="0"/>
+            </a:endParaRPr>
+          </a:p>
+          <a:p>
+            <a:pPr marL="971550" lvl="1" indent="-285750">
+              <a:buFont typeface="Wingdings" panose="05000000000000000000" pitchFamily="2" charset="2"/>
+              <a:buChar char="§"/>
+            </a:pPr>
+            <a:r>
+              <a:rPr lang="it-IT" i="1" dirty="0" err="1">
+                <a:latin typeface="Lucida Bright" panose="02040602050505020304" pitchFamily="18" charset="0"/>
+              </a:rPr>
+              <a:t>Delegation</a:t>
+            </a:r>
             <a:endParaRPr lang="it-IT" i="1" dirty="0">
               <a:latin typeface="Lucida Bright" panose="02040602050505020304" pitchFamily="18" charset="0"/>
             </a:endParaRPr>
@@ -11636,7 +13044,7 @@
         </p:blipFill>
         <p:spPr>
           <a:xfrm>
-            <a:off x="2666682" y="4513687"/>
+            <a:off x="4041708" y="4450354"/>
             <a:ext cx="3810635" cy="1233216"/>
           </a:xfrm>
           <a:prstGeom prst="rect">
@@ -11702,9 +13110,6 @@
               <a:t>Studio e Sperimentazione del microkernel seL4</a:t>
             </a:r>
           </a:p>
-          <a:p>
-            <a:endParaRPr lang="en-GB" dirty="0"/>
-          </a:p>
         </p:txBody>
       </p:sp>
       <p:sp>
@@ -11859,7 +13264,7 @@
           <p:nvPr/>
         </p:nvPicPr>
         <p:blipFill>
-          <a:blip r:embed="rId2"/>
+          <a:blip r:embed="rId3"/>
           <a:stretch>
             <a:fillRect/>
           </a:stretch>
@@ -12045,18 +13450,18 @@
       </p:grpSpPr>
       <p:sp>
         <p:nvSpPr>
-          <p:cNvPr id="2" name="Titolo 1">
-            <a:extLst>
-              <a:ext uri="{FF2B5EF4-FFF2-40B4-BE49-F238E27FC236}">
-                <a16:creationId xmlns:a16="http://schemas.microsoft.com/office/drawing/2014/main" id="{F9BA5B94-538F-17B2-7B92-C5FE2E056D67}"/>
-              </a:ext>
-            </a:extLst>
-          </p:cNvPr>
-          <p:cNvSpPr>
-            <a:spLocks noGrp="1"/>
-          </p:cNvSpPr>
-          <p:nvPr>
-            <p:ph type="title"/>
+          <p:cNvPr id="2" name="Segnaposto testo 1">
+            <a:extLst>
+              <a:ext uri="{FF2B5EF4-FFF2-40B4-BE49-F238E27FC236}">
+                <a16:creationId xmlns:a16="http://schemas.microsoft.com/office/drawing/2014/main" id="{5E749CF2-E09A-4673-23E4-B8AD2CF2E82D}"/>
+              </a:ext>
+            </a:extLst>
+          </p:cNvPr>
+          <p:cNvSpPr>
+            <a:spLocks noGrp="1"/>
+          </p:cNvSpPr>
+          <p:nvPr>
+            <p:ph type="body" sz="quarter" idx="14"/>
           </p:nvPr>
         </p:nvSpPr>
         <p:spPr/>
@@ -12065,8 +13470,164 @@
           <a:lstStyle/>
           <a:p>
             <a:r>
-              <a:rPr lang="it-IT" dirty="0"/>
-              <a:t>Alcuni schemi di diapositiva…</a:t>
+              <a:rPr lang="it-IT" dirty="0">
+                <a:latin typeface="Lucida Bright" panose="02040602050505020304" pitchFamily="18" charset="0"/>
+              </a:rPr>
+              <a:t>Studio e Sperimentazione del microkernel seL4</a:t>
+            </a:r>
+          </a:p>
+        </p:txBody>
+      </p:sp>
+      <p:sp>
+        <p:nvSpPr>
+          <p:cNvPr id="3" name="Segnaposto testo 2">
+            <a:extLst>
+              <a:ext uri="{FF2B5EF4-FFF2-40B4-BE49-F238E27FC236}">
+                <a16:creationId xmlns:a16="http://schemas.microsoft.com/office/drawing/2014/main" id="{ED6BE247-1E98-D2DE-8F1C-2FE833E7329B}"/>
+              </a:ext>
+            </a:extLst>
+          </p:cNvPr>
+          <p:cNvSpPr>
+            <a:spLocks noGrp="1"/>
+          </p:cNvSpPr>
+          <p:nvPr>
+            <p:ph type="body" sz="quarter" idx="13"/>
+          </p:nvPr>
+        </p:nvSpPr>
+        <p:spPr/>
+        <p:txBody>
+          <a:bodyPr/>
+          <a:lstStyle/>
+          <a:p>
+            <a:pPr marL="291704" indent="-285750">
+              <a:buFont typeface="Wingdings" panose="05000000000000000000" pitchFamily="2" charset="2"/>
+              <a:buChar char="Ø"/>
+            </a:pPr>
+            <a:r>
+              <a:rPr lang="it-IT" dirty="0">
+                <a:latin typeface="Lucida Bright" panose="02040602050505020304" pitchFamily="18" charset="0"/>
+              </a:rPr>
+              <a:t>Sistemi in cui il mancato rispetto di una scadenza può portare al fallimento dell’intero sistema</a:t>
+            </a:r>
+          </a:p>
+          <a:p>
+            <a:pPr marL="291704" indent="-285750">
+              <a:buFont typeface="Wingdings" panose="05000000000000000000" pitchFamily="2" charset="2"/>
+              <a:buChar char="Ø"/>
+            </a:pPr>
+            <a:r>
+              <a:rPr lang="it-IT" dirty="0">
+                <a:latin typeface="Lucida Bright" panose="02040602050505020304" pitchFamily="18" charset="0"/>
+              </a:rPr>
+              <a:t>I sistemi hard real-time system sono caratterizzati da:</a:t>
+            </a:r>
+          </a:p>
+          <a:p>
+            <a:pPr marL="971550" lvl="1" indent="-285750">
+              <a:lnSpc>
+                <a:spcPct val="150000"/>
+              </a:lnSpc>
+              <a:buFont typeface="Wingdings" panose="05000000000000000000" pitchFamily="2" charset="2"/>
+              <a:buChar char="§"/>
+            </a:pPr>
+            <a:r>
+              <a:rPr lang="it-IT" i="1" dirty="0">
+                <a:latin typeface="Lucida Bright" panose="02040602050505020304" pitchFamily="18" charset="0"/>
+              </a:rPr>
+              <a:t>Scheduling</a:t>
+            </a:r>
+            <a:r>
+              <a:rPr lang="it-IT" dirty="0">
+                <a:latin typeface="Lucida Bright" panose="02040602050505020304" pitchFamily="18" charset="0"/>
+              </a:rPr>
+              <a:t> dei processi basato sulla priorità</a:t>
+            </a:r>
+          </a:p>
+          <a:p>
+            <a:pPr marL="971550" lvl="1" indent="-285750">
+              <a:lnSpc>
+                <a:spcPct val="150000"/>
+              </a:lnSpc>
+              <a:buFont typeface="Wingdings" panose="05000000000000000000" pitchFamily="2" charset="2"/>
+              <a:buChar char="§"/>
+            </a:pPr>
+            <a:r>
+              <a:rPr lang="it-IT" dirty="0">
+                <a:latin typeface="Lucida Bright" panose="02040602050505020304" pitchFamily="18" charset="0"/>
+              </a:rPr>
+              <a:t>Latenza dei </a:t>
+            </a:r>
+            <a:r>
+              <a:rPr lang="it-IT" i="1" dirty="0">
+                <a:latin typeface="Lucida Bright" panose="02040602050505020304" pitchFamily="18" charset="0"/>
+              </a:rPr>
+              <a:t>interrupt</a:t>
+            </a:r>
+            <a:r>
+              <a:rPr lang="it-IT" dirty="0">
+                <a:latin typeface="Lucida Bright" panose="02040602050505020304" pitchFamily="18" charset="0"/>
+              </a:rPr>
+              <a:t> limitata</a:t>
+            </a:r>
+          </a:p>
+          <a:p>
+            <a:pPr marL="291704" indent="-285750">
+              <a:buFont typeface="Wingdings" panose="05000000000000000000" pitchFamily="2" charset="2"/>
+              <a:buChar char="Ø"/>
+            </a:pPr>
+            <a:r>
+              <a:rPr lang="it-IT" i="1" dirty="0" err="1">
+                <a:latin typeface="Lucida Bright" panose="02040602050505020304" pitchFamily="18" charset="0"/>
+              </a:rPr>
+              <a:t>worst</a:t>
+            </a:r>
+            <a:r>
+              <a:rPr lang="it-IT" i="1" dirty="0">
+                <a:latin typeface="Lucida Bright" panose="02040602050505020304" pitchFamily="18" charset="0"/>
+              </a:rPr>
+              <a:t>-case </a:t>
+            </a:r>
+            <a:r>
+              <a:rPr lang="it-IT" i="1" dirty="0" err="1">
+                <a:latin typeface="Lucida Bright" panose="02040602050505020304" pitchFamily="18" charset="0"/>
+              </a:rPr>
+              <a:t>execution</a:t>
+            </a:r>
+            <a:r>
+              <a:rPr lang="it-IT" i="1" dirty="0">
+                <a:latin typeface="Lucida Bright" panose="02040602050505020304" pitchFamily="18" charset="0"/>
+              </a:rPr>
+              <a:t> time</a:t>
+            </a:r>
+          </a:p>
+        </p:txBody>
+      </p:sp>
+      <p:sp>
+        <p:nvSpPr>
+          <p:cNvPr id="4" name="Titolo 3">
+            <a:extLst>
+              <a:ext uri="{FF2B5EF4-FFF2-40B4-BE49-F238E27FC236}">
+                <a16:creationId xmlns:a16="http://schemas.microsoft.com/office/drawing/2014/main" id="{808ED41E-A996-3599-BC35-BE2F86CA7D6E}"/>
+              </a:ext>
+            </a:extLst>
+          </p:cNvPr>
+          <p:cNvSpPr>
+            <a:spLocks noGrp="1"/>
+          </p:cNvSpPr>
+          <p:nvPr>
+            <p:ph type="title"/>
+          </p:nvPr>
+        </p:nvSpPr>
+        <p:spPr/>
+        <p:txBody>
+          <a:bodyPr/>
+          <a:lstStyle/>
+          <a:p>
+            <a:r>
+              <a:rPr lang="en-GB" dirty="0">
+                <a:latin typeface="Lucida Bright" panose="02040602050505020304" pitchFamily="18" charset="0"/>
+              </a:rPr>
+              <a:t>SeL4 – Hard Real-Time Systems</a:t>
             </a:r>
           </a:p>
         </p:txBody>
@@ -12074,7 +13635,7 @@
     </p:spTree>
     <p:extLst>
       <p:ext uri="{BB962C8B-B14F-4D97-AF65-F5344CB8AC3E}">
-        <p14:creationId xmlns:p14="http://schemas.microsoft.com/office/powerpoint/2010/main" val="1092629568"/>
+        <p14:creationId xmlns:p14="http://schemas.microsoft.com/office/powerpoint/2010/main" val="3581258323"/>
       </p:ext>
     </p:extLst>
   </p:cSld>
@@ -12106,7 +13667,7 @@
           <p:cNvPr id="2" name="Segnaposto testo 1">
             <a:extLst>
               <a:ext uri="{FF2B5EF4-FFF2-40B4-BE49-F238E27FC236}">
-                <a16:creationId xmlns:a16="http://schemas.microsoft.com/office/drawing/2014/main" id="{C87A16C5-CC44-2BFC-D340-25F6ACE0196F}"/>
+                <a16:creationId xmlns:a16="http://schemas.microsoft.com/office/drawing/2014/main" id="{5E749CF2-E09A-4673-23E4-B8AD2CF2E82D}"/>
               </a:ext>
             </a:extLst>
           </p:cNvPr>
@@ -12122,7 +13683,12 @@
           <a:bodyPr/>
           <a:lstStyle/>
           <a:p>
-            <a:endParaRPr lang="it-IT"/>
+            <a:r>
+              <a:rPr lang="it-IT" dirty="0">
+                <a:latin typeface="Lucida Bright" panose="02040602050505020304" pitchFamily="18" charset="0"/>
+              </a:rPr>
+              <a:t>Studio e Sperimentazione del microkernel seL4</a:t>
+            </a:r>
           </a:p>
         </p:txBody>
       </p:sp>
@@ -12131,7 +13697,7 @@
           <p:cNvPr id="3" name="Segnaposto testo 2">
             <a:extLst>
               <a:ext uri="{FF2B5EF4-FFF2-40B4-BE49-F238E27FC236}">
-                <a16:creationId xmlns:a16="http://schemas.microsoft.com/office/drawing/2014/main" id="{94929320-154D-CED2-0608-C6E5AF7F4022}"/>
+                <a16:creationId xmlns:a16="http://schemas.microsoft.com/office/drawing/2014/main" id="{ED6BE247-1E98-D2DE-8F1C-2FE833E7329B}"/>
               </a:ext>
             </a:extLst>
           </p:cNvPr>
@@ -12147,36 +13713,9 @@
           <a:bodyPr/>
           <a:lstStyle/>
           <a:p>
-            <a:r>
-              <a:rPr lang="it-IT" dirty="0"/>
-              <a:t>Questi sono due esempi di </a:t>
-            </a:r>
-            <a:r>
-              <a:rPr lang="it-IT" b="1" dirty="0"/>
-              <a:t>collegamento ipertestuale:</a:t>
-            </a:r>
-            <a:endParaRPr lang="it-IT" dirty="0"/>
-          </a:p>
-          <a:p>
-            <a:endParaRPr lang="it-IT" dirty="0"/>
-          </a:p>
-          <a:p>
-            <a:r>
-              <a:rPr lang="it-IT" dirty="0">
-                <a:hlinkClick r:id="rId3" tooltip="Sito web dell'Università degli Studi di Firenze"/>
-              </a:rPr>
-              <a:t>Sito dell’Università di Firenze</a:t>
-            </a:r>
-            <a:endParaRPr lang="it-IT" dirty="0"/>
-          </a:p>
-          <a:p>
-            <a:r>
-              <a:rPr lang="it-IT" dirty="0">
-                <a:hlinkClick r:id="rId4"/>
-              </a:rPr>
-              <a:t>Orto botanico di Firenze</a:t>
-            </a:r>
-            <a:endParaRPr lang="it-IT" dirty="0"/>
+            <a:endParaRPr lang="en-GB" dirty="0">
+              <a:latin typeface="Lucida Bright" panose="02040602050505020304" pitchFamily="18" charset="0"/>
+            </a:endParaRPr>
           </a:p>
         </p:txBody>
       </p:sp>
@@ -12185,7 +13724,7 @@
           <p:cNvPr id="4" name="Titolo 3">
             <a:extLst>
               <a:ext uri="{FF2B5EF4-FFF2-40B4-BE49-F238E27FC236}">
-                <a16:creationId xmlns:a16="http://schemas.microsoft.com/office/drawing/2014/main" id="{4D7FAB61-73E3-4AC7-D81E-D60AD856413E}"/>
+                <a16:creationId xmlns:a16="http://schemas.microsoft.com/office/drawing/2014/main" id="{808ED41E-A996-3599-BC35-BE2F86CA7D6E}"/>
               </a:ext>
             </a:extLst>
           </p:cNvPr>
@@ -12202,16 +13741,33 @@
           <a:lstStyle/>
           <a:p>
             <a:r>
-              <a:rPr lang="it-IT" dirty="0"/>
-              <a:t>Slide solo testo</a:t>
-            </a:r>
+              <a:rPr lang="it-IT" dirty="0">
+                <a:latin typeface="Lucida Bright" panose="02040602050505020304" pitchFamily="18" charset="0"/>
+              </a:rPr>
+              <a:t>SeL4 - Mixed-</a:t>
+            </a:r>
+            <a:r>
+              <a:rPr lang="it-IT" dirty="0" err="1">
+                <a:latin typeface="Lucida Bright" panose="02040602050505020304" pitchFamily="18" charset="0"/>
+              </a:rPr>
+              <a:t>Criticality</a:t>
+            </a:r>
+            <a:r>
+              <a:rPr lang="it-IT" dirty="0">
+                <a:latin typeface="Lucida Bright" panose="02040602050505020304" pitchFamily="18" charset="0"/>
+              </a:rPr>
+              <a:t> Systems</a:t>
+            </a:r>
+            <a:endParaRPr lang="en-GB" dirty="0">
+              <a:latin typeface="Lucida Bright" panose="02040602050505020304" pitchFamily="18" charset="0"/>
+            </a:endParaRPr>
           </a:p>
         </p:txBody>
       </p:sp>
     </p:spTree>
     <p:extLst>
       <p:ext uri="{BB962C8B-B14F-4D97-AF65-F5344CB8AC3E}">
-        <p14:creationId xmlns:p14="http://schemas.microsoft.com/office/powerpoint/2010/main" val="4124723263"/>
+        <p14:creationId xmlns:p14="http://schemas.microsoft.com/office/powerpoint/2010/main" val="3227163407"/>
       </p:ext>
     </p:extLst>
   </p:cSld>
